--- a/cybersecurity-iacs/slides/delivery/09__Common-Attacks.pptx
+++ b/cybersecurity-iacs/slides/delivery/09__Common-Attacks.pptx
@@ -1,81 +1,81 @@
 
 <file path=ppt/presentation.xml><?xml version="1.0" encoding="utf-8"?>
-<p:presentation xmlns:a="http://schemas.openxmlformats.org/drawingml/2006/main" xmlns:r="http://schemas.openxmlformats.org/officeDocument/2006/relationships" xmlns:p="http://schemas.openxmlformats.org/presentationml/2006/main" showSpecialPlsOnTitleSld="0" saveSubsetFonts="1" autoCompressPictures="0">
+<p:presentation xmlns:a="http://schemas.openxmlformats.org/drawingml/2006/main" xmlns:r="http://schemas.openxmlformats.org/officeDocument/2006/relationships" xmlns:p="http://schemas.openxmlformats.org/presentationml/2006/main" showSpecialPlsOnTitleSld="0" autoCompressPictures="0">
   <p:sldMasterIdLst>
-    <p:sldMasterId id="2147483651" r:id="rId1"/>
+    <p:sldMasterId id="2147483648" r:id="rId1"/>
   </p:sldMasterIdLst>
   <p:notesMasterIdLst>
-    <p:notesMasterId r:id="rId2"/>
+    <p:notesMasterId r:id="rId9"/>
   </p:notesMasterIdLst>
   <p:handoutMasterIdLst>
-    <p:handoutMasterId r:id="rId3"/>
+    <p:handoutMasterId r:id="rId67"/>
   </p:handoutMasterIdLst>
   <p:sldIdLst>
-    <p:sldId id="256" r:id="rId9"/>
-    <p:sldId id="257" r:id="rId10"/>
-    <p:sldId id="258" r:id="rId11"/>
-    <p:sldId id="259" r:id="rId12"/>
-    <p:sldId id="260" r:id="rId13"/>
-    <p:sldId id="261" r:id="rId14"/>
-    <p:sldId id="262" r:id="rId15"/>
-    <p:sldId id="263" r:id="rId16"/>
-    <p:sldId id="264" r:id="rId17"/>
-    <p:sldId id="265" r:id="rId18"/>
-    <p:sldId id="266" r:id="rId19"/>
-    <p:sldId id="267" r:id="rId20"/>
-    <p:sldId id="268" r:id="rId21"/>
-    <p:sldId id="269" r:id="rId22"/>
-    <p:sldId id="270" r:id="rId23"/>
-    <p:sldId id="271" r:id="rId24"/>
-    <p:sldId id="272" r:id="rId25"/>
-    <p:sldId id="273" r:id="rId26"/>
-    <p:sldId id="274" r:id="rId27"/>
-    <p:sldId id="275" r:id="rId28"/>
-    <p:sldId id="276" r:id="rId29"/>
-    <p:sldId id="277" r:id="rId30"/>
-    <p:sldId id="278" r:id="rId31"/>
-    <p:sldId id="279" r:id="rId32"/>
-    <p:sldId id="280" r:id="rId33"/>
-    <p:sldId id="281" r:id="rId34"/>
-    <p:sldId id="282" r:id="rId35"/>
-    <p:sldId id="283" r:id="rId36"/>
-    <p:sldId id="284" r:id="rId37"/>
-    <p:sldId id="285" r:id="rId38"/>
-    <p:sldId id="286" r:id="rId39"/>
-    <p:sldId id="287" r:id="rId40"/>
-    <p:sldId id="288" r:id="rId41"/>
-    <p:sldId id="289" r:id="rId42"/>
-    <p:sldId id="290" r:id="rId43"/>
-    <p:sldId id="291" r:id="rId44"/>
-    <p:sldId id="292" r:id="rId45"/>
-    <p:sldId id="293" r:id="rId46"/>
-    <p:sldId id="294" r:id="rId47"/>
-    <p:sldId id="295" r:id="rId48"/>
-    <p:sldId id="296" r:id="rId49"/>
-    <p:sldId id="297" r:id="rId50"/>
-    <p:sldId id="298" r:id="rId51"/>
-    <p:sldId id="299" r:id="rId52"/>
-    <p:sldId id="300" r:id="rId53"/>
-    <p:sldId id="301" r:id="rId54"/>
-    <p:sldId id="302" r:id="rId55"/>
-    <p:sldId id="303" r:id="rId56"/>
-    <p:sldId id="304" r:id="rId57"/>
-    <p:sldId id="305" r:id="rId58"/>
-    <p:sldId id="306" r:id="rId59"/>
-    <p:sldId id="307" r:id="rId60"/>
-    <p:sldId id="308" r:id="rId61"/>
-    <p:sldId id="309" r:id="rId62"/>
-    <p:sldId id="310" r:id="rId63"/>
-    <p:sldId id="311" r:id="rId64"/>
-    <p:sldId id="312" r:id="rId65"/>
-    <p:sldId id="313" r:id="rId66"/>
-    <p:sldId id="314" r:id="rId67"/>
-    <p:sldId id="315" r:id="rId68"/>
-    <p:sldId id="316" r:id="rId69"/>
-    <p:sldId id="317" r:id="rId70"/>
-    <p:sldId id="318" r:id="rId71"/>
+    <p:sldId id="256" r:id="rId3"/>
+    <p:sldId id="257" r:id="rId4"/>
+    <p:sldId id="258" r:id="rId5"/>
+    <p:sldId id="259" r:id="rId6"/>
+    <p:sldId id="260" r:id="rId7"/>
+    <p:sldId id="261" r:id="rId8"/>
+    <p:sldId id="262" r:id="rId10"/>
+    <p:sldId id="263" r:id="rId11"/>
+    <p:sldId id="264" r:id="rId12"/>
+    <p:sldId id="265" r:id="rId13"/>
+    <p:sldId id="266" r:id="rId14"/>
+    <p:sldId id="267" r:id="rId15"/>
+    <p:sldId id="268" r:id="rId16"/>
+    <p:sldId id="269" r:id="rId17"/>
+    <p:sldId id="270" r:id="rId18"/>
+    <p:sldId id="271" r:id="rId19"/>
+    <p:sldId id="272" r:id="rId20"/>
+    <p:sldId id="273" r:id="rId21"/>
+    <p:sldId id="274" r:id="rId22"/>
+    <p:sldId id="275" r:id="rId23"/>
+    <p:sldId id="276" r:id="rId24"/>
+    <p:sldId id="277" r:id="rId25"/>
+    <p:sldId id="278" r:id="rId26"/>
+    <p:sldId id="279" r:id="rId27"/>
+    <p:sldId id="280" r:id="rId28"/>
+    <p:sldId id="281" r:id="rId29"/>
+    <p:sldId id="282" r:id="rId30"/>
+    <p:sldId id="283" r:id="rId31"/>
+    <p:sldId id="284" r:id="rId32"/>
+    <p:sldId id="285" r:id="rId33"/>
+    <p:sldId id="286" r:id="rId34"/>
+    <p:sldId id="287" r:id="rId35"/>
+    <p:sldId id="288" r:id="rId36"/>
+    <p:sldId id="289" r:id="rId37"/>
+    <p:sldId id="290" r:id="rId38"/>
+    <p:sldId id="291" r:id="rId39"/>
+    <p:sldId id="292" r:id="rId40"/>
+    <p:sldId id="293" r:id="rId41"/>
+    <p:sldId id="294" r:id="rId42"/>
+    <p:sldId id="295" r:id="rId43"/>
+    <p:sldId id="296" r:id="rId44"/>
+    <p:sldId id="297" r:id="rId45"/>
+    <p:sldId id="298" r:id="rId46"/>
+    <p:sldId id="299" r:id="rId47"/>
+    <p:sldId id="300" r:id="rId48"/>
+    <p:sldId id="301" r:id="rId49"/>
+    <p:sldId id="302" r:id="rId50"/>
+    <p:sldId id="303" r:id="rId51"/>
+    <p:sldId id="304" r:id="rId52"/>
+    <p:sldId id="305" r:id="rId53"/>
+    <p:sldId id="306" r:id="rId54"/>
+    <p:sldId id="307" r:id="rId55"/>
+    <p:sldId id="308" r:id="rId56"/>
+    <p:sldId id="309" r:id="rId57"/>
+    <p:sldId id="310" r:id="rId58"/>
+    <p:sldId id="311" r:id="rId59"/>
+    <p:sldId id="312" r:id="rId60"/>
+    <p:sldId id="313" r:id="rId61"/>
+    <p:sldId id="314" r:id="rId62"/>
+    <p:sldId id="315" r:id="rId63"/>
+    <p:sldId id="316" r:id="rId64"/>
+    <p:sldId id="317" r:id="rId65"/>
+    <p:sldId id="318" r:id="rId66"/>
   </p:sldIdLst>
-  <p:sldSz cx="9372600" cy="8297863"/>
+  <p:sldSz cx="9372600" cy="8297545"/>
   <p:notesSz cx="7315200" cy="9601200"/>
   <p:defaultTextStyle>
     <a:defPPr>
@@ -93,8 +93,8 @@
           <a:schemeClr val="tx1"/>
         </a:solidFill>
         <a:latin typeface="Garamond" pitchFamily="18" charset="0"/>
-        <a:ea typeface="ＭＳ Ｐゴシック"/>
-        <a:cs typeface="ＭＳ Ｐゴシック"/>
+        <a:ea typeface="MS PGothic"/>
+        <a:cs typeface="MS PGothic"/>
       </a:defRPr>
     </a:lvl1pPr>
     <a:lvl2pPr marL="457200" algn="l" rtl="0" fontAlgn="base">
@@ -109,8 +109,8 @@
           <a:schemeClr val="tx1"/>
         </a:solidFill>
         <a:latin typeface="Garamond" pitchFamily="18" charset="0"/>
-        <a:ea typeface="ＭＳ Ｐゴシック"/>
-        <a:cs typeface="ＭＳ Ｐゴシック"/>
+        <a:ea typeface="MS PGothic"/>
+        <a:cs typeface="MS PGothic"/>
       </a:defRPr>
     </a:lvl2pPr>
     <a:lvl3pPr marL="914400" algn="l" rtl="0" fontAlgn="base">
@@ -125,8 +125,8 @@
           <a:schemeClr val="tx1"/>
         </a:solidFill>
         <a:latin typeface="Garamond" pitchFamily="18" charset="0"/>
-        <a:ea typeface="ＭＳ Ｐゴシック"/>
-        <a:cs typeface="ＭＳ Ｐゴシック"/>
+        <a:ea typeface="MS PGothic"/>
+        <a:cs typeface="MS PGothic"/>
       </a:defRPr>
     </a:lvl3pPr>
     <a:lvl4pPr marL="1371600" algn="l" rtl="0" fontAlgn="base">
@@ -141,8 +141,8 @@
           <a:schemeClr val="tx1"/>
         </a:solidFill>
         <a:latin typeface="Garamond" pitchFamily="18" charset="0"/>
-        <a:ea typeface="ＭＳ Ｐゴシック"/>
-        <a:cs typeface="ＭＳ Ｐゴシック"/>
+        <a:ea typeface="MS PGothic"/>
+        <a:cs typeface="MS PGothic"/>
       </a:defRPr>
     </a:lvl4pPr>
     <a:lvl5pPr marL="1828800" algn="l" rtl="0" fontAlgn="base">
@@ -157,8 +157,8 @@
           <a:schemeClr val="tx1"/>
         </a:solidFill>
         <a:latin typeface="Garamond" pitchFamily="18" charset="0"/>
-        <a:ea typeface="ＭＳ Ｐゴシック"/>
-        <a:cs typeface="ＭＳ Ｐゴシック"/>
+        <a:ea typeface="MS PGothic"/>
+        <a:cs typeface="MS PGothic"/>
       </a:defRPr>
     </a:lvl5pPr>
     <a:lvl6pPr marL="2286000" algn="l" defTabSz="914400" rtl="0" eaLnBrk="1" latinLnBrk="0" hangingPunct="1">
@@ -167,8 +167,8 @@
           <a:schemeClr val="tx1"/>
         </a:solidFill>
         <a:latin typeface="Garamond" pitchFamily="18" charset="0"/>
-        <a:ea typeface="ＭＳ Ｐゴシック"/>
-        <a:cs typeface="ＭＳ Ｐゴシック"/>
+        <a:ea typeface="MS PGothic"/>
+        <a:cs typeface="MS PGothic"/>
       </a:defRPr>
     </a:lvl6pPr>
     <a:lvl7pPr marL="2743200" algn="l" defTabSz="914400" rtl="0" eaLnBrk="1" latinLnBrk="0" hangingPunct="1">
@@ -177,8 +177,8 @@
           <a:schemeClr val="tx1"/>
         </a:solidFill>
         <a:latin typeface="Garamond" pitchFamily="18" charset="0"/>
-        <a:ea typeface="ＭＳ Ｐゴシック"/>
-        <a:cs typeface="ＭＳ Ｐゴシック"/>
+        <a:ea typeface="MS PGothic"/>
+        <a:cs typeface="MS PGothic"/>
       </a:defRPr>
     </a:lvl7pPr>
     <a:lvl8pPr marL="3200400" algn="l" defTabSz="914400" rtl="0" eaLnBrk="1" latinLnBrk="0" hangingPunct="1">
@@ -187,8 +187,8 @@
           <a:schemeClr val="tx1"/>
         </a:solidFill>
         <a:latin typeface="Garamond" pitchFamily="18" charset="0"/>
-        <a:ea typeface="ＭＳ Ｐゴシック"/>
-        <a:cs typeface="ＭＳ Ｐゴシック"/>
+        <a:ea typeface="MS PGothic"/>
+        <a:cs typeface="MS PGothic"/>
       </a:defRPr>
     </a:lvl8pPr>
     <a:lvl9pPr marL="3657600" algn="l" defTabSz="914400" rtl="0" eaLnBrk="1" latinLnBrk="0" hangingPunct="1">
@@ -197,41 +197,11 @@
           <a:schemeClr val="tx1"/>
         </a:solidFill>
         <a:latin typeface="Garamond" pitchFamily="18" charset="0"/>
-        <a:ea typeface="ＭＳ Ｐゴシック"/>
-        <a:cs typeface="ＭＳ Ｐゴシック"/>
+        <a:ea typeface="MS PGothic"/>
+        <a:cs typeface="MS PGothic"/>
       </a:defRPr>
     </a:lvl9pPr>
   </p:defaultTextStyle>
-  <p:extLst>
-    <p:ext uri="{EFAFB233-063F-42B5-8137-9DF3F51BA10A}">
-      <p15:sldGuideLst xmlns:p15="http://schemas.microsoft.com/office/powerpoint/2012/main">
-        <p15:guide id="1" orient="horz" pos="2614" userDrawn="1">
-          <p15:clr>
-            <a:srgbClr val="A4A3A4"/>
-          </p15:clr>
-        </p15:guide>
-        <p15:guide id="2" pos="2952" userDrawn="1">
-          <p15:clr>
-            <a:srgbClr val="A4A3A4"/>
-          </p15:clr>
-        </p15:guide>
-      </p15:sldGuideLst>
-    </p:ext>
-    <p:ext uri="{2D200454-40CA-4A62-9FC3-DE9A4176ACB9}">
-      <p15:notesGuideLst xmlns:p15="http://schemas.microsoft.com/office/powerpoint/2012/main">
-        <p15:guide id="1" orient="horz" pos="3024">
-          <p15:clr>
-            <a:srgbClr val="A4A3A4"/>
-          </p15:clr>
-        </p15:guide>
-        <p15:guide id="2" pos="2308">
-          <p15:clr>
-            <a:srgbClr val="A4A3A4"/>
-          </p15:clr>
-        </p15:guide>
-      </p15:notesGuideLst>
-    </p:ext>
-  </p:extLst>
 </p:presentation>
 </file>
 
@@ -241,9 +211,7 @@
   <p:cmAuthor id="2" name="Mark Kerzner" initials="MK" lastIdx="6" clrIdx="1"/>
   <p:cmAuthor id="3" name="Mary Beth Conlee" initials="MBC" lastIdx="7" clrIdx="2"/>
   <p:cmAuthor id="4" name="Michelle" initials="M" lastIdx="5" clrIdx="3"/>
-  <p:cmAuthor id="5" name="Tricia Murphy" initials="TM" lastIdx="4" clrIdx="4">
-    <p:extLst/>
-  </p:cmAuthor>
+  <p:cmAuthor id="5" name="Tricia Murphy" initials="TM" lastIdx="4" clrIdx="4"/>
 </p:cmAuthorLst>
 </file>
 
@@ -294,20 +262,14 @@
           <a:ln w="9525">
             <a:noFill/>
             <a:miter lim="800000"/>
-            <a:headEnd/>
-            <a:tailEnd/>
           </a:ln>
         </p:spPr>
         <p:txBody>
-          <a:bodyPr vert="horz" wrap="square" lIns="96603" tIns="48303" rIns="96603" bIns="48303" numCol="1" anchor="b" anchorCtr="0" compatLnSpc="1">
-            <a:prstTxWarp prst="textNoShape">
-              <a:avLst/>
-            </a:prstTxWarp>
-          </a:bodyPr>
+          <a:bodyPr vert="horz" wrap="square" lIns="96603" tIns="48303" rIns="96603" bIns="48303" numCol="1" anchor="b" anchorCtr="0" compatLnSpc="1"/>
           <a:lstStyle>
             <a:lvl1pPr defTabSz="965200">
               <a:defRPr sz="1200">
-                <a:latin typeface="Times New Roman" pitchFamily="18" charset="0"/>
+                <a:latin typeface="Times New Roman" panose="02020603050405020304" pitchFamily="-110" charset="0"/>
               </a:defRPr>
             </a:lvl1pPr>
           </a:lstStyle>
@@ -319,6 +281,7 @@
               <a:rPr lang="en-US" dirty="0"/>
               <a:t>Copyright © 2017 Elephant Scale. All rights reserved.</a:t>
             </a:r>
+            <a:endParaRPr lang="en-US" dirty="0"/>
           </a:p>
         </p:txBody>
       </p:sp>
@@ -344,20 +307,14 @@
           <a:ln w="9525">
             <a:noFill/>
             <a:miter lim="800000"/>
-            <a:headEnd/>
-            <a:tailEnd/>
           </a:ln>
         </p:spPr>
         <p:txBody>
-          <a:bodyPr vert="horz" wrap="square" lIns="96603" tIns="48303" rIns="96603" bIns="48303" numCol="1" anchor="b" anchorCtr="0" compatLnSpc="1">
-            <a:prstTxWarp prst="textNoShape">
-              <a:avLst/>
-            </a:prstTxWarp>
-          </a:bodyPr>
+          <a:bodyPr vert="horz" wrap="square" lIns="96603" tIns="48303" rIns="96603" bIns="48303" numCol="1" anchor="b" anchorCtr="0" compatLnSpc="1"/>
           <a:lstStyle>
             <a:lvl1pPr algn="r" defTabSz="965200">
               <a:defRPr sz="1200">
-                <a:latin typeface="Times New Roman" pitchFamily="18" charset="0"/>
+                <a:latin typeface="Times New Roman" panose="02020603050405020304" pitchFamily="-110" charset="0"/>
               </a:defRPr>
             </a:lvl1pPr>
           </a:lstStyle>
@@ -367,21 +324,12 @@
             </a:pPr>
             <a:fld id="{97E62689-8C7D-4291-A094-4E689FEC4C3B}" type="slidenum">
               <a:rPr lang="en-US"/>
-              <a:pPr>
-                <a:defRPr/>
-              </a:pPr>
-              <a:t>‹#›</a:t>
             </a:fld>
             <a:endParaRPr lang="en-US" dirty="0"/>
           </a:p>
         </p:txBody>
       </p:sp>
     </p:spTree>
-    <p:extLst>
-      <p:ext uri="{BB962C8B-B14F-4D97-AF65-F5344CB8AC3E}">
-        <p14:creationId xmlns:p14="http://schemas.microsoft.com/office/powerpoint/2010/main" val="3239291525"/>
-      </p:ext>
-    </p:extLst>
   </p:cSld>
   <p:clrMap bg1="lt1" tx1="dk1" bg2="lt2" tx2="dk2" accent1="accent1" accent2="accent2" accent3="accent3" accent4="accent4" accent5="accent5" accent6="accent6" hlink="hlink" folHlink="folHlink"/>
   <p:hf hdr="0" ftr="0" dt="0"/>
@@ -437,8 +385,6 @@
               <a:srgbClr val="000000"/>
             </a:solidFill>
             <a:miter lim="800000"/>
-            <a:headEnd/>
-            <a:tailEnd/>
           </a:ln>
         </p:spPr>
       </p:sp>
@@ -464,21 +410,15 @@
           <a:ln w="9525">
             <a:noFill/>
             <a:miter lim="800000"/>
-            <a:headEnd/>
-            <a:tailEnd/>
           </a:ln>
           <a:effectLst/>
         </p:spPr>
         <p:txBody>
-          <a:bodyPr vert="horz" wrap="square" lIns="0" tIns="0" rIns="0" bIns="0" numCol="1" anchor="b" anchorCtr="1" compatLnSpc="1">
-            <a:prstTxWarp prst="textNoShape">
-              <a:avLst/>
-            </a:prstTxWarp>
-          </a:bodyPr>
+          <a:bodyPr vert="horz" wrap="square" lIns="0" tIns="0" rIns="0" bIns="0" numCol="1" anchor="b" anchorCtr="1" compatLnSpc="1"/>
           <a:lstStyle>
             <a:lvl1pPr algn="ctr" defTabSz="965200" eaLnBrk="0" hangingPunct="0">
               <a:defRPr sz="900">
-                <a:latin typeface="Arial" charset="0"/>
+                <a:latin typeface="Arial" panose="020B0604020202020204" pitchFamily="34" charset="0"/>
               </a:defRPr>
             </a:lvl1pPr>
           </a:lstStyle>
@@ -490,6 +430,7 @@
               <a:rPr lang="en-US" dirty="0"/>
               <a:t>Copyright © 2017 Elephant Scale. All rights reserved.</a:t>
             </a:r>
+            <a:endParaRPr lang="en-US" dirty="0"/>
           </a:p>
         </p:txBody>
       </p:sp>
@@ -515,21 +456,15 @@
           <a:ln w="9525">
             <a:noFill/>
             <a:miter lim="800000"/>
-            <a:headEnd/>
-            <a:tailEnd/>
           </a:ln>
           <a:effectLst/>
         </p:spPr>
         <p:txBody>
-          <a:bodyPr vert="horz" wrap="square" lIns="0" tIns="0" rIns="0" bIns="0" numCol="1" anchor="b" anchorCtr="0" compatLnSpc="1">
-            <a:prstTxWarp prst="textNoShape">
-              <a:avLst/>
-            </a:prstTxWarp>
-          </a:bodyPr>
+          <a:bodyPr vert="horz" wrap="square" lIns="0" tIns="0" rIns="0" bIns="0" numCol="1" anchor="b" anchorCtr="0" compatLnSpc="1"/>
           <a:lstStyle>
             <a:lvl1pPr algn="r" defTabSz="965200" eaLnBrk="0" hangingPunct="0">
               <a:defRPr b="1">
-                <a:latin typeface="Arial" charset="0"/>
+                <a:latin typeface="Arial" panose="020B0604020202020204" pitchFamily="34" charset="0"/>
               </a:defRPr>
             </a:lvl1pPr>
           </a:lstStyle>
@@ -539,10 +474,6 @@
             </a:pPr>
             <a:fld id="{EFAADD5D-AF76-45EE-AA5F-6DAC73BF167A}" type="slidenum">
               <a:rPr lang="en-US"/>
-              <a:pPr>
-                <a:defRPr/>
-              </a:pPr>
-              <a:t>‹#›</a:t>
             </a:fld>
             <a:endParaRPr lang="en-US" dirty="0"/>
           </a:p>
@@ -568,24 +499,26 @@
           <a:ln w="9525">
             <a:noFill/>
             <a:miter lim="800000"/>
-            <a:headEnd/>
-            <a:tailEnd/>
           </a:ln>
         </p:spPr>
         <p:txBody>
           <a:bodyPr wrap="none" lIns="96386" tIns="48194" rIns="96386" bIns="48194"/>
           <a:lstStyle/>
           <a:p>
-            <a:pPr defTabSz="960438">
+            <a:pPr defTabSz="960755">
               <a:defRPr/>
             </a:pPr>
             <a:r>
               <a:rPr lang="en-US" sz="1200" b="1" u="sng" dirty="0">
-                <a:latin typeface="Times New Roman" pitchFamily="18" charset="0"/>
-                <a:cs typeface="Times New Roman" pitchFamily="18" charset="0"/>
+                <a:latin typeface="Times New Roman" panose="02020603050405020304" pitchFamily="-110" charset="0"/>
+                <a:cs typeface="Times New Roman" panose="02020603050405020304" pitchFamily="-110" charset="0"/>
               </a:rPr>
               <a:t>Notes:</a:t>
             </a:r>
+            <a:endParaRPr lang="en-US" sz="1200" b="1" u="sng" dirty="0">
+              <a:latin typeface="Times New Roman" panose="02020603050405020304" pitchFamily="-110" charset="0"/>
+              <a:cs typeface="Times New Roman" panose="02020603050405020304" pitchFamily="-110" charset="0"/>
+            </a:endParaRPr>
           </a:p>
         </p:txBody>
       </p:sp>
@@ -611,16 +544,10 @@
           <a:ln w="9525">
             <a:noFill/>
             <a:miter lim="800000"/>
-            <a:headEnd/>
-            <a:tailEnd/>
           </a:ln>
         </p:spPr>
         <p:txBody>
-          <a:bodyPr vert="horz" wrap="square" lIns="91537" tIns="45768" rIns="91537" bIns="45768" numCol="1" anchor="t" anchorCtr="0" compatLnSpc="1">
-            <a:prstTxWarp prst="textNoShape">
-              <a:avLst/>
-            </a:prstTxWarp>
-          </a:bodyPr>
+          <a:bodyPr vert="horz" wrap="square" lIns="91537" tIns="45768" rIns="91537" bIns="45768" numCol="1" anchor="t" anchorCtr="0" compatLnSpc="1"/>
           <a:lstStyle/>
           <a:p>
             <a:pPr lvl="0"/>
@@ -650,8 +577,6 @@
               <a:srgbClr val="000000"/>
             </a:solidFill>
             <a:round/>
-            <a:headEnd/>
-            <a:tailEnd/>
           </a:ln>
           <a:effectLst/>
         </p:spPr>
@@ -666,7 +591,7 @@
               <a:defRPr/>
             </a:pPr>
             <a:endParaRPr lang="en-US" dirty="0">
-              <a:latin typeface="Garamond" pitchFamily="-110" charset="0"/>
+              <a:latin typeface="Garamond" pitchFamily="18" charset="0"/>
               <a:ea typeface="+mn-ea"/>
               <a:cs typeface="+mn-cs"/>
             </a:endParaRPr>
@@ -674,11 +599,6 @@
         </p:txBody>
       </p:sp>
     </p:spTree>
-    <p:extLst>
-      <p:ext uri="{BB962C8B-B14F-4D97-AF65-F5344CB8AC3E}">
-        <p14:creationId xmlns:p14="http://schemas.microsoft.com/office/powerpoint/2010/main" val="953744030"/>
-      </p:ext>
-    </p:extLst>
   </p:cSld>
   <p:clrMap bg1="lt1" tx1="dk1" bg2="lt2" tx2="dk2" accent1="accent1" accent2="accent2" accent3="accent3" accent4="accent4" accent5="accent5" accent6="accent6" hlink="hlink" folHlink="folHlink"/>
   <p:hf dt="0"/>
@@ -691,15 +611,15 @@
         <a:spcPct val="0"/>
       </a:spcAft>
       <a:buSzPct val="65000"/>
-      <a:buFont typeface="Wingdings" pitchFamily="2" charset="2"/>
+      <a:buFont typeface="Wingdings" panose="05000000000000000000" pitchFamily="2" charset="2"/>
       <a:buNone/>
       <a:defRPr sz="1200" kern="1200">
         <a:solidFill>
           <a:schemeClr val="tx1"/>
         </a:solidFill>
-        <a:latin typeface="Times New Roman" pitchFamily="-110" charset="0"/>
-        <a:ea typeface="ＭＳ Ｐゴシック" pitchFamily="-110" charset="-128"/>
-        <a:cs typeface="ＭＳ Ｐゴシック" pitchFamily="-110" charset="-128"/>
+        <a:latin typeface="Times New Roman" panose="02020603050405020304" pitchFamily="-110" charset="0"/>
+        <a:ea typeface="MS PGothic" pitchFamily="-110" charset="-128"/>
+        <a:cs typeface="MS PGothic" pitchFamily="-110" charset="-128"/>
       </a:defRPr>
     </a:lvl1pPr>
     <a:lvl2pPr marL="282575" indent="0" algn="l" rtl="0" eaLnBrk="0" fontAlgn="base" hangingPunct="0">
@@ -714,12 +634,12 @@
         <a:solidFill>
           <a:schemeClr val="tx1"/>
         </a:solidFill>
-        <a:latin typeface="Times New Roman" pitchFamily="-110" charset="0"/>
-        <a:ea typeface="ＭＳ Ｐゴシック" pitchFamily="-110" charset="-128"/>
-        <a:cs typeface="ＭＳ Ｐゴシック"/>
+        <a:latin typeface="Times New Roman" panose="02020603050405020304" pitchFamily="-110" charset="0"/>
+        <a:ea typeface="MS PGothic" pitchFamily="-110" charset="-128"/>
+        <a:cs typeface="MS PGothic"/>
       </a:defRPr>
     </a:lvl2pPr>
-    <a:lvl3pPr marL="744538" indent="-173038" algn="l" rtl="0" eaLnBrk="0" fontAlgn="base" hangingPunct="0">
+    <a:lvl3pPr marL="744855" indent="-173355" algn="l" rtl="0" eaLnBrk="0" fontAlgn="base" hangingPunct="0">
       <a:spcBef>
         <a:spcPct val="30000"/>
       </a:spcBef>
@@ -731,9 +651,9 @@
         <a:solidFill>
           <a:schemeClr val="tx1"/>
         </a:solidFill>
-        <a:latin typeface="Times New Roman" pitchFamily="-110" charset="0"/>
-        <a:ea typeface="ＭＳ Ｐゴシック" pitchFamily="-110" charset="-128"/>
-        <a:cs typeface="ＭＳ Ｐゴシック"/>
+        <a:latin typeface="Times New Roman" panose="02020603050405020304" pitchFamily="-110" charset="0"/>
+        <a:ea typeface="MS PGothic" pitchFamily="-110" charset="-128"/>
+        <a:cs typeface="MS PGothic"/>
       </a:defRPr>
     </a:lvl3pPr>
     <a:lvl4pPr marL="1600200" indent="-228600" algn="l" rtl="0" eaLnBrk="0" fontAlgn="base" hangingPunct="0">
@@ -747,9 +667,9 @@
         <a:solidFill>
           <a:schemeClr val="tx1"/>
         </a:solidFill>
-        <a:latin typeface="Times New Roman" pitchFamily="-110" charset="0"/>
-        <a:ea typeface="ＭＳ Ｐゴシック" pitchFamily="-110" charset="-128"/>
-        <a:cs typeface="ＭＳ Ｐゴシック"/>
+        <a:latin typeface="Times New Roman" panose="02020603050405020304" pitchFamily="-110" charset="0"/>
+        <a:ea typeface="MS PGothic" pitchFamily="-110" charset="-128"/>
+        <a:cs typeface="MS PGothic"/>
       </a:defRPr>
     </a:lvl4pPr>
     <a:lvl5pPr marL="2057400" indent="-228600" algn="l" rtl="0" eaLnBrk="0" fontAlgn="base" hangingPunct="0">
@@ -763,9 +683,9 @@
         <a:solidFill>
           <a:schemeClr val="tx1"/>
         </a:solidFill>
-        <a:latin typeface="Times New Roman" pitchFamily="-110" charset="0"/>
-        <a:ea typeface="ＭＳ Ｐゴシック" pitchFamily="-110" charset="-128"/>
-        <a:cs typeface="ＭＳ Ｐゴシック"/>
+        <a:latin typeface="Times New Roman" panose="02020603050405020304" pitchFamily="-110" charset="0"/>
+        <a:ea typeface="MS PGothic" pitchFamily="-110" charset="-128"/>
+        <a:cs typeface="MS PGothic"/>
       </a:defRPr>
     </a:lvl5pPr>
     <a:lvl6pPr marL="2286000" algn="l" defTabSz="457200" rtl="0" eaLnBrk="1" latinLnBrk="0" hangingPunct="1">
@@ -813,7 +733,7 @@
 </file>
 
 <file path=ppt/notesSlides/notesSlide1.xml><?xml version="1.0" encoding="utf-8"?>
-<p:notes xmlns:a="http://schemas.openxmlformats.org/drawingml/2006/main" xmlns:p="http://schemas.openxmlformats.org/presentationml/2006/main" xmlns:r="http://schemas.openxmlformats.org/officeDocument/2006/relationships">
+<p:notes xmlns:a="http://schemas.openxmlformats.org/drawingml/2006/main" xmlns:r="http://schemas.openxmlformats.org/officeDocument/2006/relationships" xmlns:p="http://schemas.openxmlformats.org/presentationml/2006/main">
   <p:cSld>
     <p:spTree>
       <p:nvGrpSpPr>
@@ -848,7 +768,7 @@
             <a:spLocks noGrp="1"/>
           </p:cNvSpPr>
           <p:nvPr>
-            <p:ph type="sldNum" idx="5" sz="quarter"/>
+            <p:ph type="sldNum" sz="quarter" idx="5"/>
           </p:nvPr>
         </p:nvSpPr>
         <p:spPr/>
@@ -860,7 +780,7 @@
             <a:spLocks noGrp="1"/>
           </p:cNvSpPr>
           <p:nvPr>
-            <p:ph type="body" idx="3" sz="quarter"/>
+            <p:ph type="body" sz="quarter" idx="3"/>
           </p:nvPr>
         </p:nvSpPr>
         <p:spPr/>
@@ -883,7 +803,7 @@
 </file>
 
 <file path=ppt/notesSlides/notesSlide10.xml><?xml version="1.0" encoding="utf-8"?>
-<p:notes xmlns:a="http://schemas.openxmlformats.org/drawingml/2006/main" xmlns:p="http://schemas.openxmlformats.org/presentationml/2006/main" xmlns:r="http://schemas.openxmlformats.org/officeDocument/2006/relationships">
+<p:notes xmlns:a="http://schemas.openxmlformats.org/drawingml/2006/main" xmlns:r="http://schemas.openxmlformats.org/officeDocument/2006/relationships" xmlns:p="http://schemas.openxmlformats.org/presentationml/2006/main">
   <p:cSld>
     <p:spTree>
       <p:nvGrpSpPr>
@@ -918,7 +838,7 @@
             <a:spLocks noGrp="1"/>
           </p:cNvSpPr>
           <p:nvPr>
-            <p:ph type="sldNum" idx="5" sz="quarter"/>
+            <p:ph type="sldNum" sz="quarter" idx="5"/>
           </p:nvPr>
         </p:nvSpPr>
         <p:spPr/>
@@ -930,7 +850,7 @@
             <a:spLocks noGrp="1"/>
           </p:cNvSpPr>
           <p:nvPr>
-            <p:ph type="body" idx="3" sz="quarter"/>
+            <p:ph type="body" sz="quarter" idx="3"/>
           </p:nvPr>
         </p:nvSpPr>
         <p:spPr/>
@@ -953,7 +873,7 @@
 </file>
 
 <file path=ppt/notesSlides/notesSlide11.xml><?xml version="1.0" encoding="utf-8"?>
-<p:notes xmlns:a="http://schemas.openxmlformats.org/drawingml/2006/main" xmlns:p="http://schemas.openxmlformats.org/presentationml/2006/main" xmlns:r="http://schemas.openxmlformats.org/officeDocument/2006/relationships">
+<p:notes xmlns:a="http://schemas.openxmlformats.org/drawingml/2006/main" xmlns:r="http://schemas.openxmlformats.org/officeDocument/2006/relationships" xmlns:p="http://schemas.openxmlformats.org/presentationml/2006/main">
   <p:cSld>
     <p:spTree>
       <p:nvGrpSpPr>
@@ -988,7 +908,7 @@
             <a:spLocks noGrp="1"/>
           </p:cNvSpPr>
           <p:nvPr>
-            <p:ph type="sldNum" idx="5" sz="quarter"/>
+            <p:ph type="sldNum" sz="quarter" idx="5"/>
           </p:nvPr>
         </p:nvSpPr>
         <p:spPr/>
@@ -1000,7 +920,7 @@
             <a:spLocks noGrp="1"/>
           </p:cNvSpPr>
           <p:nvPr>
-            <p:ph type="body" idx="3" sz="quarter"/>
+            <p:ph type="body" sz="quarter" idx="3"/>
           </p:nvPr>
         </p:nvSpPr>
         <p:spPr/>
@@ -1023,7 +943,7 @@
 </file>
 
 <file path=ppt/notesSlides/notesSlide12.xml><?xml version="1.0" encoding="utf-8"?>
-<p:notes xmlns:a="http://schemas.openxmlformats.org/drawingml/2006/main" xmlns:p="http://schemas.openxmlformats.org/presentationml/2006/main" xmlns:r="http://schemas.openxmlformats.org/officeDocument/2006/relationships">
+<p:notes xmlns:a="http://schemas.openxmlformats.org/drawingml/2006/main" xmlns:r="http://schemas.openxmlformats.org/officeDocument/2006/relationships" xmlns:p="http://schemas.openxmlformats.org/presentationml/2006/main">
   <p:cSld>
     <p:spTree>
       <p:nvGrpSpPr>
@@ -1058,7 +978,7 @@
             <a:spLocks noGrp="1"/>
           </p:cNvSpPr>
           <p:nvPr>
-            <p:ph type="sldNum" idx="5" sz="quarter"/>
+            <p:ph type="sldNum" sz="quarter" idx="5"/>
           </p:nvPr>
         </p:nvSpPr>
         <p:spPr/>
@@ -1070,7 +990,7 @@
             <a:spLocks noGrp="1"/>
           </p:cNvSpPr>
           <p:nvPr>
-            <p:ph type="body" idx="3" sz="quarter"/>
+            <p:ph type="body" sz="quarter" idx="3"/>
           </p:nvPr>
         </p:nvSpPr>
         <p:spPr/>
@@ -1093,7 +1013,7 @@
 </file>
 
 <file path=ppt/notesSlides/notesSlide13.xml><?xml version="1.0" encoding="utf-8"?>
-<p:notes xmlns:a="http://schemas.openxmlformats.org/drawingml/2006/main" xmlns:p="http://schemas.openxmlformats.org/presentationml/2006/main" xmlns:r="http://schemas.openxmlformats.org/officeDocument/2006/relationships">
+<p:notes xmlns:a="http://schemas.openxmlformats.org/drawingml/2006/main" xmlns:r="http://schemas.openxmlformats.org/officeDocument/2006/relationships" xmlns:p="http://schemas.openxmlformats.org/presentationml/2006/main">
   <p:cSld>
     <p:spTree>
       <p:nvGrpSpPr>
@@ -1128,7 +1048,7 @@
             <a:spLocks noGrp="1"/>
           </p:cNvSpPr>
           <p:nvPr>
-            <p:ph type="sldNum" idx="5" sz="quarter"/>
+            <p:ph type="sldNum" sz="quarter" idx="5"/>
           </p:nvPr>
         </p:nvSpPr>
         <p:spPr/>
@@ -1140,7 +1060,7 @@
             <a:spLocks noGrp="1"/>
           </p:cNvSpPr>
           <p:nvPr>
-            <p:ph type="body" idx="3" sz="quarter"/>
+            <p:ph type="body" sz="quarter" idx="3"/>
           </p:nvPr>
         </p:nvSpPr>
         <p:spPr/>
@@ -1163,7 +1083,7 @@
 </file>
 
 <file path=ppt/notesSlides/notesSlide14.xml><?xml version="1.0" encoding="utf-8"?>
-<p:notes xmlns:a="http://schemas.openxmlformats.org/drawingml/2006/main" xmlns:p="http://schemas.openxmlformats.org/presentationml/2006/main" xmlns:r="http://schemas.openxmlformats.org/officeDocument/2006/relationships">
+<p:notes xmlns:a="http://schemas.openxmlformats.org/drawingml/2006/main" xmlns:r="http://schemas.openxmlformats.org/officeDocument/2006/relationships" xmlns:p="http://schemas.openxmlformats.org/presentationml/2006/main">
   <p:cSld>
     <p:spTree>
       <p:nvGrpSpPr>
@@ -1198,7 +1118,7 @@
             <a:spLocks noGrp="1"/>
           </p:cNvSpPr>
           <p:nvPr>
-            <p:ph type="sldNum" idx="5" sz="quarter"/>
+            <p:ph type="sldNum" sz="quarter" idx="5"/>
           </p:nvPr>
         </p:nvSpPr>
         <p:spPr/>
@@ -1210,7 +1130,7 @@
             <a:spLocks noGrp="1"/>
           </p:cNvSpPr>
           <p:nvPr>
-            <p:ph type="body" idx="3" sz="quarter"/>
+            <p:ph type="body" sz="quarter" idx="3"/>
           </p:nvPr>
         </p:nvSpPr>
         <p:spPr/>
@@ -1233,7 +1153,7 @@
 </file>
 
 <file path=ppt/notesSlides/notesSlide15.xml><?xml version="1.0" encoding="utf-8"?>
-<p:notes xmlns:a="http://schemas.openxmlformats.org/drawingml/2006/main" xmlns:p="http://schemas.openxmlformats.org/presentationml/2006/main" xmlns:r="http://schemas.openxmlformats.org/officeDocument/2006/relationships">
+<p:notes xmlns:a="http://schemas.openxmlformats.org/drawingml/2006/main" xmlns:r="http://schemas.openxmlformats.org/officeDocument/2006/relationships" xmlns:p="http://schemas.openxmlformats.org/presentationml/2006/main">
   <p:cSld>
     <p:spTree>
       <p:nvGrpSpPr>
@@ -1268,7 +1188,7 @@
             <a:spLocks noGrp="1"/>
           </p:cNvSpPr>
           <p:nvPr>
-            <p:ph type="sldNum" idx="5" sz="quarter"/>
+            <p:ph type="sldNum" sz="quarter" idx="5"/>
           </p:nvPr>
         </p:nvSpPr>
         <p:spPr/>
@@ -1280,7 +1200,7 @@
             <a:spLocks noGrp="1"/>
           </p:cNvSpPr>
           <p:nvPr>
-            <p:ph type="body" idx="3" sz="quarter"/>
+            <p:ph type="body" sz="quarter" idx="3"/>
           </p:nvPr>
         </p:nvSpPr>
         <p:spPr/>
@@ -1303,7 +1223,7 @@
 </file>
 
 <file path=ppt/notesSlides/notesSlide16.xml><?xml version="1.0" encoding="utf-8"?>
-<p:notes xmlns:a="http://schemas.openxmlformats.org/drawingml/2006/main" xmlns:p="http://schemas.openxmlformats.org/presentationml/2006/main" xmlns:r="http://schemas.openxmlformats.org/officeDocument/2006/relationships">
+<p:notes xmlns:a="http://schemas.openxmlformats.org/drawingml/2006/main" xmlns:r="http://schemas.openxmlformats.org/officeDocument/2006/relationships" xmlns:p="http://schemas.openxmlformats.org/presentationml/2006/main">
   <p:cSld>
     <p:spTree>
       <p:nvGrpSpPr>
@@ -1338,7 +1258,7 @@
             <a:spLocks noGrp="1"/>
           </p:cNvSpPr>
           <p:nvPr>
-            <p:ph type="sldNum" idx="5" sz="quarter"/>
+            <p:ph type="sldNum" sz="quarter" idx="5"/>
           </p:nvPr>
         </p:nvSpPr>
         <p:spPr/>
@@ -1350,7 +1270,7 @@
             <a:spLocks noGrp="1"/>
           </p:cNvSpPr>
           <p:nvPr>
-            <p:ph type="body" idx="3" sz="quarter"/>
+            <p:ph type="body" sz="quarter" idx="3"/>
           </p:nvPr>
         </p:nvSpPr>
         <p:spPr/>
@@ -1373,7 +1293,7 @@
 </file>
 
 <file path=ppt/notesSlides/notesSlide17.xml><?xml version="1.0" encoding="utf-8"?>
-<p:notes xmlns:a="http://schemas.openxmlformats.org/drawingml/2006/main" xmlns:p="http://schemas.openxmlformats.org/presentationml/2006/main" xmlns:r="http://schemas.openxmlformats.org/officeDocument/2006/relationships">
+<p:notes xmlns:a="http://schemas.openxmlformats.org/drawingml/2006/main" xmlns:r="http://schemas.openxmlformats.org/officeDocument/2006/relationships" xmlns:p="http://schemas.openxmlformats.org/presentationml/2006/main">
   <p:cSld>
     <p:spTree>
       <p:nvGrpSpPr>
@@ -1408,7 +1328,7 @@
             <a:spLocks noGrp="1"/>
           </p:cNvSpPr>
           <p:nvPr>
-            <p:ph type="sldNum" idx="5" sz="quarter"/>
+            <p:ph type="sldNum" sz="quarter" idx="5"/>
           </p:nvPr>
         </p:nvSpPr>
         <p:spPr/>
@@ -1420,7 +1340,7 @@
             <a:spLocks noGrp="1"/>
           </p:cNvSpPr>
           <p:nvPr>
-            <p:ph type="body" idx="3" sz="quarter"/>
+            <p:ph type="body" sz="quarter" idx="3"/>
           </p:nvPr>
         </p:nvSpPr>
         <p:spPr/>
@@ -1443,7 +1363,7 @@
 </file>
 
 <file path=ppt/notesSlides/notesSlide18.xml><?xml version="1.0" encoding="utf-8"?>
-<p:notes xmlns:a="http://schemas.openxmlformats.org/drawingml/2006/main" xmlns:p="http://schemas.openxmlformats.org/presentationml/2006/main" xmlns:r="http://schemas.openxmlformats.org/officeDocument/2006/relationships">
+<p:notes xmlns:a="http://schemas.openxmlformats.org/drawingml/2006/main" xmlns:r="http://schemas.openxmlformats.org/officeDocument/2006/relationships" xmlns:p="http://schemas.openxmlformats.org/presentationml/2006/main">
   <p:cSld>
     <p:spTree>
       <p:nvGrpSpPr>
@@ -1478,7 +1398,7 @@
             <a:spLocks noGrp="1"/>
           </p:cNvSpPr>
           <p:nvPr>
-            <p:ph type="sldNum" idx="5" sz="quarter"/>
+            <p:ph type="sldNum" sz="quarter" idx="5"/>
           </p:nvPr>
         </p:nvSpPr>
         <p:spPr/>
@@ -1490,7 +1410,7 @@
             <a:spLocks noGrp="1"/>
           </p:cNvSpPr>
           <p:nvPr>
-            <p:ph type="body" idx="3" sz="quarter"/>
+            <p:ph type="body" sz="quarter" idx="3"/>
           </p:nvPr>
         </p:nvSpPr>
         <p:spPr/>
@@ -1513,7 +1433,7 @@
 </file>
 
 <file path=ppt/notesSlides/notesSlide19.xml><?xml version="1.0" encoding="utf-8"?>
-<p:notes xmlns:a="http://schemas.openxmlformats.org/drawingml/2006/main" xmlns:p="http://schemas.openxmlformats.org/presentationml/2006/main" xmlns:r="http://schemas.openxmlformats.org/officeDocument/2006/relationships">
+<p:notes xmlns:a="http://schemas.openxmlformats.org/drawingml/2006/main" xmlns:r="http://schemas.openxmlformats.org/officeDocument/2006/relationships" xmlns:p="http://schemas.openxmlformats.org/presentationml/2006/main">
   <p:cSld>
     <p:spTree>
       <p:nvGrpSpPr>
@@ -1548,7 +1468,7 @@
             <a:spLocks noGrp="1"/>
           </p:cNvSpPr>
           <p:nvPr>
-            <p:ph type="sldNum" idx="5" sz="quarter"/>
+            <p:ph type="sldNum" sz="quarter" idx="5"/>
           </p:nvPr>
         </p:nvSpPr>
         <p:spPr/>
@@ -1560,7 +1480,7 @@
             <a:spLocks noGrp="1"/>
           </p:cNvSpPr>
           <p:nvPr>
-            <p:ph type="body" idx="3" sz="quarter"/>
+            <p:ph type="body" sz="quarter" idx="3"/>
           </p:nvPr>
         </p:nvSpPr>
         <p:spPr/>
@@ -1583,7 +1503,7 @@
 </file>
 
 <file path=ppt/notesSlides/notesSlide2.xml><?xml version="1.0" encoding="utf-8"?>
-<p:notes xmlns:a="http://schemas.openxmlformats.org/drawingml/2006/main" xmlns:p="http://schemas.openxmlformats.org/presentationml/2006/main" xmlns:r="http://schemas.openxmlformats.org/officeDocument/2006/relationships">
+<p:notes xmlns:a="http://schemas.openxmlformats.org/drawingml/2006/main" xmlns:r="http://schemas.openxmlformats.org/officeDocument/2006/relationships" xmlns:p="http://schemas.openxmlformats.org/presentationml/2006/main">
   <p:cSld>
     <p:spTree>
       <p:nvGrpSpPr>
@@ -1618,7 +1538,7 @@
             <a:spLocks noGrp="1"/>
           </p:cNvSpPr>
           <p:nvPr>
-            <p:ph type="sldNum" idx="5" sz="quarter"/>
+            <p:ph type="sldNum" sz="quarter" idx="5"/>
           </p:nvPr>
         </p:nvSpPr>
         <p:spPr/>
@@ -1630,7 +1550,7 @@
             <a:spLocks noGrp="1"/>
           </p:cNvSpPr>
           <p:nvPr>
-            <p:ph type="body" idx="3" sz="quarter"/>
+            <p:ph type="body" sz="quarter" idx="3"/>
           </p:nvPr>
         </p:nvSpPr>
         <p:spPr/>
@@ -1652,8 +1572,8 @@
 </p:notes>
 </file>
 
-<file path=ppt/notesSlides/notesSlide20.xml><?xml version="1.0" encoding="utf-8"?>
-<p:notes xmlns:a="http://schemas.openxmlformats.org/drawingml/2006/main" xmlns:p="http://schemas.openxmlformats.org/presentationml/2006/main" xmlns:r="http://schemas.openxmlformats.org/officeDocument/2006/relationships">
+<file path=ppt/notesSlides/notesSlide3.xml><?xml version="1.0" encoding="utf-8"?>
+<p:notes xmlns:a="http://schemas.openxmlformats.org/drawingml/2006/main" xmlns:r="http://schemas.openxmlformats.org/officeDocument/2006/relationships" xmlns:p="http://schemas.openxmlformats.org/presentationml/2006/main">
   <p:cSld>
     <p:spTree>
       <p:nvGrpSpPr>
@@ -1688,7 +1608,7 @@
             <a:spLocks noGrp="1"/>
           </p:cNvSpPr>
           <p:nvPr>
-            <p:ph type="sldNum" idx="5" sz="quarter"/>
+            <p:ph type="sldNum" sz="quarter" idx="5"/>
           </p:nvPr>
         </p:nvSpPr>
         <p:spPr/>
@@ -1700,21 +1620,16 @@
             <a:spLocks noGrp="1"/>
           </p:cNvSpPr>
           <p:nvPr>
-            <p:ph type="body" idx="3" sz="quarter"/>
-          </p:nvPr>
-        </p:nvSpPr>
-        <p:spPr/>
-        <p:txBody>
-          <a:bodyPr/>
-          <a:lstStyle/>
-          <a:p>
-            <a:r>
-              <a:t> Goat labs solutions</a:t>
-            </a:r>
-          </a:p>
-          <a:p>
-            <a:r>
-              <a:t> https://github.com/WebGoat/WebGoat/wiki/(Almost)-Fully-Documented-Solution-(en)</a:t>
+            <p:ph type="body" sz="quarter" idx="3"/>
+          </p:nvPr>
+        </p:nvSpPr>
+        <p:spPr/>
+        <p:txBody>
+          <a:bodyPr/>
+          <a:lstStyle/>
+          <a:p>
+            <a:r>
+              <a:t> Image Credit: https://medium.com/iocscan/dom-based-cross-site-scripting-dom-xss-3396453364fd</a:t>
             </a:r>
           </a:p>
         </p:txBody>
@@ -1727,8 +1642,8 @@
 </p:notes>
 </file>
 
-<file path=ppt/notesSlides/notesSlide3.xml><?xml version="1.0" encoding="utf-8"?>
-<p:notes xmlns:a="http://schemas.openxmlformats.org/drawingml/2006/main" xmlns:p="http://schemas.openxmlformats.org/presentationml/2006/main" xmlns:r="http://schemas.openxmlformats.org/officeDocument/2006/relationships">
+<file path=ppt/notesSlides/notesSlide4.xml><?xml version="1.0" encoding="utf-8"?>
+<p:notes xmlns:a="http://schemas.openxmlformats.org/drawingml/2006/main" xmlns:r="http://schemas.openxmlformats.org/officeDocument/2006/relationships" xmlns:p="http://schemas.openxmlformats.org/presentationml/2006/main">
   <p:cSld>
     <p:spTree>
       <p:nvGrpSpPr>
@@ -1763,7 +1678,7 @@
             <a:spLocks noGrp="1"/>
           </p:cNvSpPr>
           <p:nvPr>
-            <p:ph type="sldNum" idx="5" sz="quarter"/>
+            <p:ph type="sldNum" sz="quarter" idx="5"/>
           </p:nvPr>
         </p:nvSpPr>
         <p:spPr/>
@@ -1775,16 +1690,16 @@
             <a:spLocks noGrp="1"/>
           </p:cNvSpPr>
           <p:nvPr>
-            <p:ph type="body" idx="3" sz="quarter"/>
-          </p:nvPr>
-        </p:nvSpPr>
-        <p:spPr/>
-        <p:txBody>
-          <a:bodyPr/>
-          <a:lstStyle/>
-          <a:p>
-            <a:r>
-              <a:t> Image Credit: https://medium.com/iocscan/dom-based-cross-site-scripting-dom-xss-3396453364fd</a:t>
+            <p:ph type="body" sz="quarter" idx="3"/>
+          </p:nvPr>
+        </p:nvSpPr>
+        <p:spPr/>
+        <p:txBody>
+          <a:bodyPr/>
+          <a:lstStyle/>
+          <a:p>
+            <a:r>
+              <a:t> Image Credit: www.guru99.com/learn-everything-about-trojans-viruses-and-worms.html</a:t>
             </a:r>
           </a:p>
         </p:txBody>
@@ -1797,8 +1712,8 @@
 </p:notes>
 </file>
 
-<file path=ppt/notesSlides/notesSlide4.xml><?xml version="1.0" encoding="utf-8"?>
-<p:notes xmlns:a="http://schemas.openxmlformats.org/drawingml/2006/main" xmlns:p="http://schemas.openxmlformats.org/presentationml/2006/main" xmlns:r="http://schemas.openxmlformats.org/officeDocument/2006/relationships">
+<file path=ppt/notesSlides/notesSlide5.xml><?xml version="1.0" encoding="utf-8"?>
+<p:notes xmlns:a="http://schemas.openxmlformats.org/drawingml/2006/main" xmlns:r="http://schemas.openxmlformats.org/officeDocument/2006/relationships" xmlns:p="http://schemas.openxmlformats.org/presentationml/2006/main">
   <p:cSld>
     <p:spTree>
       <p:nvGrpSpPr>
@@ -1833,7 +1748,7 @@
             <a:spLocks noGrp="1"/>
           </p:cNvSpPr>
           <p:nvPr>
-            <p:ph type="sldNum" idx="5" sz="quarter"/>
+            <p:ph type="sldNum" sz="quarter" idx="5"/>
           </p:nvPr>
         </p:nvSpPr>
         <p:spPr/>
@@ -1845,16 +1760,16 @@
             <a:spLocks noGrp="1"/>
           </p:cNvSpPr>
           <p:nvPr>
-            <p:ph type="body" idx="3" sz="quarter"/>
-          </p:nvPr>
-        </p:nvSpPr>
-        <p:spPr/>
-        <p:txBody>
-          <a:bodyPr/>
-          <a:lstStyle/>
-          <a:p>
-            <a:r>
-              <a:t> Image Credit: www.guru99.com/learn-everything-about-trojans-viruses-and-worms.html</a:t>
+            <p:ph type="body" sz="quarter" idx="3"/>
+          </p:nvPr>
+        </p:nvSpPr>
+        <p:spPr/>
+        <p:txBody>
+          <a:bodyPr/>
+          <a:lstStyle/>
+          <a:p>
+            <a:r>
+              <a:t> Image Credit: wolfstreet.com/2018/08/19/scam-critical-alert-from-microsoft-iexplore-www-support-me-malware/</a:t>
             </a:r>
           </a:p>
         </p:txBody>
@@ -1867,8 +1782,8 @@
 </p:notes>
 </file>
 
-<file path=ppt/notesSlides/notesSlide5.xml><?xml version="1.0" encoding="utf-8"?>
-<p:notes xmlns:a="http://schemas.openxmlformats.org/drawingml/2006/main" xmlns:p="http://schemas.openxmlformats.org/presentationml/2006/main" xmlns:r="http://schemas.openxmlformats.org/officeDocument/2006/relationships">
+<file path=ppt/notesSlides/notesSlide6.xml><?xml version="1.0" encoding="utf-8"?>
+<p:notes xmlns:a="http://schemas.openxmlformats.org/drawingml/2006/main" xmlns:r="http://schemas.openxmlformats.org/officeDocument/2006/relationships" xmlns:p="http://schemas.openxmlformats.org/presentationml/2006/main">
   <p:cSld>
     <p:spTree>
       <p:nvGrpSpPr>
@@ -1903,7 +1818,7 @@
             <a:spLocks noGrp="1"/>
           </p:cNvSpPr>
           <p:nvPr>
-            <p:ph type="sldNum" idx="5" sz="quarter"/>
+            <p:ph type="sldNum" sz="quarter" idx="5"/>
           </p:nvPr>
         </p:nvSpPr>
         <p:spPr/>
@@ -1915,16 +1830,16 @@
             <a:spLocks noGrp="1"/>
           </p:cNvSpPr>
           <p:nvPr>
-            <p:ph type="body" idx="3" sz="quarter"/>
-          </p:nvPr>
-        </p:nvSpPr>
-        <p:spPr/>
-        <p:txBody>
-          <a:bodyPr/>
-          <a:lstStyle/>
-          <a:p>
-            <a:r>
-              <a:t> Image Credit: wolfstreet.com/2018/08/19/scam-critical-alert-from-microsoft-iexplore-www-support-me-malware/</a:t>
+            <p:ph type="body" sz="quarter" idx="3"/>
+          </p:nvPr>
+        </p:nvSpPr>
+        <p:spPr/>
+        <p:txBody>
+          <a:bodyPr/>
+          <a:lstStyle/>
+          <a:p>
+            <a:r>
+              <a:t> Image Credit: https://techieandwhatever.blogspot.com/2017/06/what-is-zeus-malware-and-how-does-it.html</a:t>
             </a:r>
           </a:p>
         </p:txBody>
@@ -1937,8 +1852,8 @@
 </p:notes>
 </file>
 
-<file path=ppt/notesSlides/notesSlide6.xml><?xml version="1.0" encoding="utf-8"?>
-<p:notes xmlns:a="http://schemas.openxmlformats.org/drawingml/2006/main" xmlns:p="http://schemas.openxmlformats.org/presentationml/2006/main" xmlns:r="http://schemas.openxmlformats.org/officeDocument/2006/relationships">
+<file path=ppt/notesSlides/notesSlide7.xml><?xml version="1.0" encoding="utf-8"?>
+<p:notes xmlns:a="http://schemas.openxmlformats.org/drawingml/2006/main" xmlns:r="http://schemas.openxmlformats.org/officeDocument/2006/relationships" xmlns:p="http://schemas.openxmlformats.org/presentationml/2006/main">
   <p:cSld>
     <p:spTree>
       <p:nvGrpSpPr>
@@ -1973,7 +1888,7 @@
             <a:spLocks noGrp="1"/>
           </p:cNvSpPr>
           <p:nvPr>
-            <p:ph type="sldNum" idx="5" sz="quarter"/>
+            <p:ph type="sldNum" sz="quarter" idx="5"/>
           </p:nvPr>
         </p:nvSpPr>
         <p:spPr/>
@@ -1985,16 +1900,16 @@
             <a:spLocks noGrp="1"/>
           </p:cNvSpPr>
           <p:nvPr>
-            <p:ph type="body" idx="3" sz="quarter"/>
-          </p:nvPr>
-        </p:nvSpPr>
-        <p:spPr/>
-        <p:txBody>
-          <a:bodyPr/>
-          <a:lstStyle/>
-          <a:p>
-            <a:r>
-              <a:t> Image Credit: https://techieandwhatever.blogspot.com/2017/06/what-is-zeus-malware-and-how-does-it.html</a:t>
+            <p:ph type="body" sz="quarter" idx="3"/>
+          </p:nvPr>
+        </p:nvSpPr>
+        <p:spPr/>
+        <p:txBody>
+          <a:bodyPr/>
+          <a:lstStyle/>
+          <a:p>
+            <a:r>
+              <a:t> Image Credit: en.wikipedia.org/wiki/WannaCry_ransomware_attack#/media/File:Wana_Decrypt0r_screenshot.png</a:t>
             </a:r>
           </a:p>
         </p:txBody>
@@ -2007,8 +1922,8 @@
 </p:notes>
 </file>
 
-<file path=ppt/notesSlides/notesSlide7.xml><?xml version="1.0" encoding="utf-8"?>
-<p:notes xmlns:a="http://schemas.openxmlformats.org/drawingml/2006/main" xmlns:p="http://schemas.openxmlformats.org/presentationml/2006/main" xmlns:r="http://schemas.openxmlformats.org/officeDocument/2006/relationships">
+<file path=ppt/notesSlides/notesSlide8.xml><?xml version="1.0" encoding="utf-8"?>
+<p:notes xmlns:a="http://schemas.openxmlformats.org/drawingml/2006/main" xmlns:r="http://schemas.openxmlformats.org/officeDocument/2006/relationships" xmlns:p="http://schemas.openxmlformats.org/presentationml/2006/main">
   <p:cSld>
     <p:spTree>
       <p:nvGrpSpPr>
@@ -2043,7 +1958,7 @@
             <a:spLocks noGrp="1"/>
           </p:cNvSpPr>
           <p:nvPr>
-            <p:ph type="sldNum" idx="5" sz="quarter"/>
+            <p:ph type="sldNum" sz="quarter" idx="5"/>
           </p:nvPr>
         </p:nvSpPr>
         <p:spPr/>
@@ -2055,16 +1970,19 @@
             <a:spLocks noGrp="1"/>
           </p:cNvSpPr>
           <p:nvPr>
-            <p:ph type="body" idx="3" sz="quarter"/>
-          </p:nvPr>
-        </p:nvSpPr>
-        <p:spPr/>
-        <p:txBody>
-          <a:bodyPr/>
-          <a:lstStyle/>
-          <a:p>
-            <a:r>
-              <a:t> Image Credit: en.wikipedia.org/wiki/WannaCry_ransomware_attack#/media/File:Wana_Decrypt0r_screenshot.png</a:t>
+            <p:ph type="body" sz="quarter" idx="3"/>
+          </p:nvPr>
+        </p:nvSpPr>
+        <p:spPr/>
+        <p:txBody>
+          <a:bodyPr/>
+          <a:lstStyle/>
+          <a:p>
+            <a:r>
+              <a:t> https://www.csoonline.com/article/3318238/the-opm-hack-explained-bad-security-practices-meet-chinas-captain-america.html</a:t>
+            </a:r>
+            <a:r>
+              <a:t> https://www.opm.gov/cybersecurity/cybersecurity-incidents/</a:t>
             </a:r>
           </a:p>
         </p:txBody>
@@ -2077,8 +1995,8 @@
 </p:notes>
 </file>
 
-<file path=ppt/notesSlides/notesSlide8.xml><?xml version="1.0" encoding="utf-8"?>
-<p:notes xmlns:a="http://schemas.openxmlformats.org/drawingml/2006/main" xmlns:p="http://schemas.openxmlformats.org/presentationml/2006/main" xmlns:r="http://schemas.openxmlformats.org/officeDocument/2006/relationships">
+<file path=ppt/notesSlides/notesSlide9.xml><?xml version="1.0" encoding="utf-8"?>
+<p:notes xmlns:a="http://schemas.openxmlformats.org/drawingml/2006/main" xmlns:r="http://schemas.openxmlformats.org/officeDocument/2006/relationships" xmlns:p="http://schemas.openxmlformats.org/presentationml/2006/main">
   <p:cSld>
     <p:spTree>
       <p:nvGrpSpPr>
@@ -2113,7 +2031,7 @@
             <a:spLocks noGrp="1"/>
           </p:cNvSpPr>
           <p:nvPr>
-            <p:ph type="sldNum" idx="5" sz="quarter"/>
+            <p:ph type="sldNum" sz="quarter" idx="5"/>
           </p:nvPr>
         </p:nvSpPr>
         <p:spPr/>
@@ -2125,80 +2043,7 @@
             <a:spLocks noGrp="1"/>
           </p:cNvSpPr>
           <p:nvPr>
-            <p:ph type="body" idx="3" sz="quarter"/>
-          </p:nvPr>
-        </p:nvSpPr>
-        <p:spPr/>
-        <p:txBody>
-          <a:bodyPr/>
-          <a:lstStyle/>
-          <a:p>
-            <a:r>
-              <a:t> https://www.csoonline.com/article/3318238/the-opm-hack-explained-bad-security-practices-meet-chinas-captain-america.html</a:t>
-            </a:r>
-            <a:r>
-              <a:t> https://www.opm.gov/cybersecurity/cybersecurity-incidents/</a:t>
-            </a:r>
-          </a:p>
-        </p:txBody>
-      </p:sp>
-    </p:spTree>
-  </p:cSld>
-  <p:clrMapOvr>
-    <a:masterClrMapping/>
-  </p:clrMapOvr>
-</p:notes>
-</file>
-
-<file path=ppt/notesSlides/notesSlide9.xml><?xml version="1.0" encoding="utf-8"?>
-<p:notes xmlns:a="http://schemas.openxmlformats.org/drawingml/2006/main" xmlns:p="http://schemas.openxmlformats.org/presentationml/2006/main" xmlns:r="http://schemas.openxmlformats.org/officeDocument/2006/relationships">
-  <p:cSld>
-    <p:spTree>
-      <p:nvGrpSpPr>
-        <p:cNvPr id="1" name=""/>
-        <p:cNvGrpSpPr/>
-        <p:nvPr/>
-      </p:nvGrpSpPr>
-      <p:grpSpPr>
-        <a:xfrm>
-          <a:off x="0" y="0"/>
-          <a:ext cx="0" cy="0"/>
-          <a:chOff x="0" y="0"/>
-          <a:chExt cx="0" cy="0"/>
-        </a:xfrm>
-      </p:grpSpPr>
-      <p:sp>
-        <p:nvSpPr>
-          <p:cNvPr id="2" name="Slide Image Placeholder 1"/>
-          <p:cNvSpPr>
-            <a:spLocks noGrp="1"/>
-          </p:cNvSpPr>
-          <p:nvPr>
-            <p:ph type="sldImg" idx="2"/>
-          </p:nvPr>
-        </p:nvSpPr>
-        <p:spPr/>
-      </p:sp>
-      <p:sp>
-        <p:nvSpPr>
-          <p:cNvPr id="3" name="Slide Number Placeholder 2"/>
-          <p:cNvSpPr>
-            <a:spLocks noGrp="1"/>
-          </p:cNvSpPr>
-          <p:nvPr>
-            <p:ph type="sldNum" idx="5" sz="quarter"/>
-          </p:nvPr>
-        </p:nvSpPr>
-        <p:spPr/>
-      </p:sp>
-      <p:sp>
-        <p:nvSpPr>
-          <p:cNvPr id="4" name="Notes Placeholder 3"/>
-          <p:cNvSpPr>
-            <a:spLocks noGrp="1"/>
-          </p:cNvSpPr>
-          <p:nvPr>
-            <p:ph type="body" idx="3" sz="quarter"/>
+            <p:ph type="body" sz="quarter" idx="3"/>
           </p:nvPr>
         </p:nvSpPr>
         <p:spPr/>
@@ -2221,7 +2066,7 @@
 </file>
 
 <file path=ppt/slideLayouts/slideLayout1.xml><?xml version="1.0" encoding="utf-8"?>
-<p:sldLayout xmlns:a="http://schemas.openxmlformats.org/drawingml/2006/main" xmlns:r="http://schemas.openxmlformats.org/officeDocument/2006/relationships" xmlns:p="http://schemas.openxmlformats.org/presentationml/2006/main" showMasterSp="0" type="title" preserve="1">
+<p:sldLayout xmlns:a="http://schemas.openxmlformats.org/drawingml/2006/main" xmlns:r="http://schemas.openxmlformats.org/officeDocument/2006/relationships" xmlns:p="http://schemas.openxmlformats.org/presentationml/2006/main" type="title" preserve="1" showMasterSp="0">
   <p:cSld name="Title Slide">
     <p:bg>
       <p:bgPr>
@@ -2256,7 +2101,9 @@
         <p:blipFill rotWithShape="1">
           <a:blip r:embed="rId2"/>
           <a:srcRect t="19473"/>
-          <a:stretch/>
+          <a:stretch>
+            <a:fillRect/>
+          </a:stretch>
         </p:blipFill>
         <p:spPr bwMode="auto">
           <a:xfrm>
@@ -2307,6 +2154,7 @@
               <a:rPr lang="en-US"/>
               <a:t>Click to edit Master subtitle style</a:t>
             </a:r>
+            <a:endParaRPr lang="en-US"/>
           </a:p>
         </p:txBody>
       </p:sp>
@@ -2338,6 +2186,7 @@
               <a:rPr lang="en-US"/>
               <a:t>Click to edit Master title style</a:t>
             </a:r>
+            <a:endParaRPr lang="en-US"/>
           </a:p>
         </p:txBody>
       </p:sp>
@@ -2387,6 +2236,7 @@
               <a:rPr lang="en-US" dirty="0"/>
               <a:t>Click to edit Master title style</a:t>
             </a:r>
+            <a:endParaRPr lang="en-US" dirty="0"/>
           </a:p>
         </p:txBody>
       </p:sp>
@@ -2410,6 +2260,7 @@
               <a:rPr lang="en-US" dirty="0"/>
               <a:t>Click to edit Master text styles</a:t>
             </a:r>
+            <a:endParaRPr lang="en-US" dirty="0"/>
           </a:p>
           <a:p>
             <a:pPr lvl="1"/>
@@ -2417,6 +2268,7 @@
               <a:rPr lang="en-US" dirty="0"/>
               <a:t>Second level</a:t>
             </a:r>
+            <a:endParaRPr lang="en-US" dirty="0"/>
           </a:p>
           <a:p>
             <a:pPr lvl="2"/>
@@ -2424,6 +2276,7 @@
               <a:rPr lang="en-US" dirty="0"/>
               <a:t>Third level</a:t>
             </a:r>
+            <a:endParaRPr lang="en-US" dirty="0"/>
           </a:p>
           <a:p>
             <a:pPr lvl="3"/>
@@ -2431,6 +2284,7 @@
               <a:rPr lang="en-US" dirty="0"/>
               <a:t>Fourth level</a:t>
             </a:r>
+            <a:endParaRPr lang="en-US" dirty="0"/>
           </a:p>
           <a:p>
             <a:pPr lvl="4"/>
@@ -2438,6 +2292,7 @@
               <a:rPr lang="en-US" dirty="0"/>
               <a:t>Fifth level</a:t>
             </a:r>
+            <a:endParaRPr lang="en-US" dirty="0"/>
           </a:p>
         </p:txBody>
       </p:sp>
@@ -2463,6 +2318,7 @@
               <a:rPr lang="en-US" dirty="0"/>
               <a:t>Copyright © 2017 Elephant Scale. All rights reserved.</a:t>
             </a:r>
+            <a:endParaRPr lang="en-US" dirty="0"/>
           </a:p>
         </p:txBody>
       </p:sp>
@@ -2486,10 +2342,6 @@
             </a:pPr>
             <a:fld id="{77EF9825-4C23-4085-A4E3-B5565466BD91}" type="slidenum">
               <a:rPr lang="en-US" smtClean="0"/>
-              <a:pPr>
-                <a:defRPr/>
-              </a:pPr>
-              <a:t>‹#›</a:t>
             </a:fld>
             <a:endParaRPr lang="en-US" dirty="0"/>
           </a:p>
@@ -2544,6 +2396,7 @@
               <a:rPr lang="en-US"/>
               <a:t>Click to edit Master title style</a:t>
             </a:r>
+            <a:endParaRPr lang="en-US"/>
           </a:p>
         </p:txBody>
       </p:sp>
@@ -2572,6 +2425,7 @@
               <a:rPr lang="en-US"/>
               <a:t>Click to edit Master text styles</a:t>
             </a:r>
+            <a:endParaRPr lang="en-US"/>
           </a:p>
           <a:p>
             <a:pPr lvl="1"/>
@@ -2579,6 +2433,7 @@
               <a:rPr lang="en-US"/>
               <a:t>Second level</a:t>
             </a:r>
+            <a:endParaRPr lang="en-US"/>
           </a:p>
           <a:p>
             <a:pPr lvl="2"/>
@@ -2586,6 +2441,7 @@
               <a:rPr lang="en-US"/>
               <a:t>Third level</a:t>
             </a:r>
+            <a:endParaRPr lang="en-US"/>
           </a:p>
           <a:p>
             <a:pPr lvl="3"/>
@@ -2593,6 +2449,7 @@
               <a:rPr lang="en-US"/>
               <a:t>Fourth level</a:t>
             </a:r>
+            <a:endParaRPr lang="en-US"/>
           </a:p>
           <a:p>
             <a:pPr lvl="4"/>
@@ -2600,6 +2457,7 @@
               <a:rPr lang="en-US"/>
               <a:t>Fifth level</a:t>
             </a:r>
+            <a:endParaRPr lang="en-US"/>
           </a:p>
         </p:txBody>
       </p:sp>
@@ -2628,6 +2486,7 @@
               <a:rPr lang="en-US"/>
               <a:t>Click to edit Master text styles</a:t>
             </a:r>
+            <a:endParaRPr lang="en-US"/>
           </a:p>
           <a:p>
             <a:pPr lvl="1"/>
@@ -2635,6 +2494,7 @@
               <a:rPr lang="en-US"/>
               <a:t>Second level</a:t>
             </a:r>
+            <a:endParaRPr lang="en-US"/>
           </a:p>
           <a:p>
             <a:pPr lvl="2"/>
@@ -2642,6 +2502,7 @@
               <a:rPr lang="en-US"/>
               <a:t>Third level</a:t>
             </a:r>
+            <a:endParaRPr lang="en-US"/>
           </a:p>
           <a:p>
             <a:pPr lvl="3"/>
@@ -2649,6 +2510,7 @@
               <a:rPr lang="en-US"/>
               <a:t>Fourth level</a:t>
             </a:r>
+            <a:endParaRPr lang="en-US"/>
           </a:p>
           <a:p>
             <a:pPr lvl="4"/>
@@ -2656,6 +2518,7 @@
               <a:rPr lang="en-US"/>
               <a:t>Fifth level</a:t>
             </a:r>
+            <a:endParaRPr lang="en-US"/>
           </a:p>
         </p:txBody>
       </p:sp>
@@ -2684,6 +2547,7 @@
               <a:rPr lang="en-US"/>
               <a:t>Click to edit Master text styles</a:t>
             </a:r>
+            <a:endParaRPr lang="en-US"/>
           </a:p>
           <a:p>
             <a:pPr lvl="1"/>
@@ -2691,6 +2555,7 @@
               <a:rPr lang="en-US"/>
               <a:t>Second level</a:t>
             </a:r>
+            <a:endParaRPr lang="en-US"/>
           </a:p>
           <a:p>
             <a:pPr lvl="2"/>
@@ -2698,6 +2563,7 @@
               <a:rPr lang="en-US"/>
               <a:t>Third level</a:t>
             </a:r>
+            <a:endParaRPr lang="en-US"/>
           </a:p>
           <a:p>
             <a:pPr lvl="3"/>
@@ -2705,6 +2571,7 @@
               <a:rPr lang="en-US"/>
               <a:t>Fourth level</a:t>
             </a:r>
+            <a:endParaRPr lang="en-US"/>
           </a:p>
           <a:p>
             <a:pPr lvl="4"/>
@@ -2712,6 +2579,7 @@
               <a:rPr lang="en-US"/>
               <a:t>Fifth level</a:t>
             </a:r>
+            <a:endParaRPr lang="en-US"/>
           </a:p>
         </p:txBody>
       </p:sp>
@@ -2725,9 +2593,7 @@
             <p:ph type="sldNum" sz="quarter" idx="11"/>
           </p:nvPr>
         </p:nvSpPr>
-        <p:spPr>
-          <a:ln/>
-        </p:spPr>
+        <p:spPr/>
         <p:txBody>
           <a:bodyPr/>
           <a:lstStyle>
@@ -2741,10 +2607,6 @@
             </a:pPr>
             <a:fld id="{040E4B02-67B9-4228-B08B-2561CEE6B946}" type="slidenum">
               <a:rPr lang="en-US"/>
-              <a:pPr>
-                <a:defRPr/>
-              </a:pPr>
-              <a:t>‹#›</a:t>
             </a:fld>
             <a:endParaRPr lang="en-US" dirty="0"/>
           </a:p>
@@ -2760,9 +2622,7 @@
             <p:ph type="ftr" sz="quarter" idx="12"/>
           </p:nvPr>
         </p:nvSpPr>
-        <p:spPr>
-          <a:ln/>
-        </p:spPr>
+        <p:spPr/>
         <p:txBody>
           <a:bodyPr/>
           <a:lstStyle>
@@ -2778,6 +2638,7 @@
               <a:rPr lang="en-US" dirty="0"/>
               <a:t>Copyright © 2017 Elephant Scale. All rights reserved.</a:t>
             </a:r>
+            <a:endParaRPr lang="en-US" dirty="0"/>
           </a:p>
         </p:txBody>
       </p:sp>
@@ -2830,6 +2691,7 @@
               <a:rPr lang="en-US"/>
               <a:t>Click to edit Master title style</a:t>
             </a:r>
+            <a:endParaRPr lang="en-US"/>
           </a:p>
         </p:txBody>
       </p:sp>
@@ -2858,6 +2720,7 @@
               <a:rPr lang="en-US"/>
               <a:t>Click to edit Master text styles</a:t>
             </a:r>
+            <a:endParaRPr lang="en-US"/>
           </a:p>
           <a:p>
             <a:pPr lvl="1"/>
@@ -2865,6 +2728,7 @@
               <a:rPr lang="en-US"/>
               <a:t>Second level</a:t>
             </a:r>
+            <a:endParaRPr lang="en-US"/>
           </a:p>
           <a:p>
             <a:pPr lvl="2"/>
@@ -2872,6 +2736,7 @@
               <a:rPr lang="en-US"/>
               <a:t>Third level</a:t>
             </a:r>
+            <a:endParaRPr lang="en-US"/>
           </a:p>
           <a:p>
             <a:pPr lvl="3"/>
@@ -2879,6 +2744,7 @@
               <a:rPr lang="en-US"/>
               <a:t>Fourth level</a:t>
             </a:r>
+            <a:endParaRPr lang="en-US"/>
           </a:p>
           <a:p>
             <a:pPr lvl="4"/>
@@ -2886,6 +2752,7 @@
               <a:rPr lang="en-US"/>
               <a:t>Fifth level</a:t>
             </a:r>
+            <a:endParaRPr lang="en-US"/>
           </a:p>
         </p:txBody>
       </p:sp>
@@ -2914,6 +2781,7 @@
               <a:rPr lang="en-US"/>
               <a:t>Click to edit Master text styles</a:t>
             </a:r>
+            <a:endParaRPr lang="en-US"/>
           </a:p>
           <a:p>
             <a:pPr lvl="1"/>
@@ -2921,6 +2789,7 @@
               <a:rPr lang="en-US"/>
               <a:t>Second level</a:t>
             </a:r>
+            <a:endParaRPr lang="en-US"/>
           </a:p>
           <a:p>
             <a:pPr lvl="2"/>
@@ -2928,6 +2797,7 @@
               <a:rPr lang="en-US"/>
               <a:t>Third level</a:t>
             </a:r>
+            <a:endParaRPr lang="en-US"/>
           </a:p>
           <a:p>
             <a:pPr lvl="3"/>
@@ -2935,6 +2805,7 @@
               <a:rPr lang="en-US"/>
               <a:t>Fourth level</a:t>
             </a:r>
+            <a:endParaRPr lang="en-US"/>
           </a:p>
           <a:p>
             <a:pPr lvl="4"/>
@@ -2942,6 +2813,7 @@
               <a:rPr lang="en-US"/>
               <a:t>Fifth level</a:t>
             </a:r>
+            <a:endParaRPr lang="en-US"/>
           </a:p>
         </p:txBody>
       </p:sp>
@@ -2955,9 +2827,7 @@
             <p:ph type="sldNum" sz="quarter" idx="11"/>
           </p:nvPr>
         </p:nvSpPr>
-        <p:spPr>
-          <a:ln/>
-        </p:spPr>
+        <p:spPr/>
         <p:txBody>
           <a:bodyPr/>
           <a:lstStyle>
@@ -2971,10 +2841,6 @@
             </a:pPr>
             <a:fld id="{A86CC632-9864-46F1-8EAB-FCD3BB9CEC9A}" type="slidenum">
               <a:rPr lang="en-US"/>
-              <a:pPr>
-                <a:defRPr/>
-              </a:pPr>
-              <a:t>‹#›</a:t>
             </a:fld>
             <a:endParaRPr lang="en-US" dirty="0"/>
           </a:p>
@@ -2990,9 +2856,7 @@
             <p:ph type="ftr" sz="quarter" idx="12"/>
           </p:nvPr>
         </p:nvSpPr>
-        <p:spPr>
-          <a:ln/>
-        </p:spPr>
+        <p:spPr/>
         <p:txBody>
           <a:bodyPr/>
           <a:lstStyle>
@@ -3008,6 +2872,7 @@
               <a:rPr lang="en-US" dirty="0"/>
               <a:t>Copyright © 2017 Elephant Scale. All rights reserved.</a:t>
             </a:r>
+            <a:endParaRPr lang="en-US" dirty="0"/>
           </a:p>
         </p:txBody>
       </p:sp>
@@ -3066,15 +2931,10 @@
           <a:ln w="9525">
             <a:noFill/>
             <a:miter lim="800000"/>
-            <a:headEnd/>
-            <a:tailEnd/>
           </a:ln>
         </p:spPr>
         <p:txBody>
           <a:bodyPr vert="horz" wrap="square" lIns="92007" tIns="46005" rIns="92007" bIns="46005" numCol="1" anchor="t" anchorCtr="0" compatLnSpc="1">
-            <a:prstTxWarp prst="textNoShape">
-              <a:avLst/>
-            </a:prstTxWarp>
             <a:normAutofit/>
           </a:bodyPr>
           <a:lstStyle/>
@@ -3084,6 +2944,7 @@
               <a:rPr lang="en-US" dirty="0"/>
               <a:t>Click to edit Master text styles</a:t>
             </a:r>
+            <a:endParaRPr lang="en-US" dirty="0"/>
           </a:p>
           <a:p>
             <a:pPr lvl="1"/>
@@ -3091,6 +2952,7 @@
               <a:rPr lang="en-US" dirty="0"/>
               <a:t>Second level</a:t>
             </a:r>
+            <a:endParaRPr lang="en-US" dirty="0"/>
           </a:p>
           <a:p>
             <a:pPr lvl="2"/>
@@ -3098,6 +2960,7 @@
               <a:rPr lang="en-US" dirty="0"/>
               <a:t>Third level</a:t>
             </a:r>
+            <a:endParaRPr lang="en-US" dirty="0"/>
           </a:p>
           <a:p>
             <a:pPr lvl="3"/>
@@ -3105,6 +2968,7 @@
               <a:rPr lang="en-US" dirty="0"/>
               <a:t>Fourth level</a:t>
             </a:r>
+            <a:endParaRPr lang="en-US" dirty="0"/>
           </a:p>
           <a:p>
             <a:pPr lvl="4"/>
@@ -3112,6 +2976,7 @@
               <a:rPr lang="en-US" dirty="0"/>
               <a:t>Fifth level</a:t>
             </a:r>
+            <a:endParaRPr lang="en-US" dirty="0"/>
           </a:p>
         </p:txBody>
       </p:sp>
@@ -3137,26 +3002,20 @@
           <a:ln w="9525">
             <a:noFill/>
             <a:miter lim="800000"/>
-            <a:headEnd/>
-            <a:tailEnd/>
           </a:ln>
           <a:effectLst/>
         </p:spPr>
         <p:txBody>
-          <a:bodyPr vert="horz" wrap="square" lIns="0" tIns="0" rIns="0" bIns="0" numCol="1" anchor="b" anchorCtr="0" compatLnSpc="1">
-            <a:prstTxWarp prst="textNoShape">
-              <a:avLst/>
-            </a:prstTxWarp>
-          </a:bodyPr>
+          <a:bodyPr vert="horz" wrap="square" lIns="0" tIns="0" rIns="0" bIns="0" numCol="1" anchor="b" anchorCtr="0" compatLnSpc="1"/>
           <a:lstStyle>
             <a:lvl1pPr algn="r" eaLnBrk="0" hangingPunct="0">
               <a:defRPr b="1">
                 <a:solidFill>
                   <a:srgbClr val="000000"/>
                 </a:solidFill>
-                <a:latin typeface="Arial" charset="0"/>
-                <a:ea typeface="ＭＳ Ｐゴシック" charset="0"/>
-                <a:cs typeface="ＭＳ Ｐゴシック" charset="0"/>
+                <a:latin typeface="Arial" panose="020B0604020202020204" pitchFamily="34" charset="0"/>
+                <a:ea typeface="MS PGothic" charset="0"/>
+                <a:cs typeface="MS PGothic" charset="0"/>
               </a:defRPr>
             </a:lvl1pPr>
           </a:lstStyle>
@@ -3166,10 +3025,6 @@
             </a:pPr>
             <a:fld id="{77EF9825-4C23-4085-A4E3-B5565466BD91}" type="slidenum">
               <a:rPr lang="en-US"/>
-              <a:pPr>
-                <a:defRPr/>
-              </a:pPr>
-              <a:t>‹#›</a:t>
             </a:fld>
             <a:endParaRPr lang="en-US" dirty="0"/>
           </a:p>
@@ -3197,16 +3052,11 @@
           <a:ln w="9525">
             <a:noFill/>
             <a:miter lim="800000"/>
-            <a:headEnd/>
-            <a:tailEnd/>
           </a:ln>
           <a:effectLst/>
         </p:spPr>
         <p:txBody>
           <a:bodyPr vert="horz" wrap="square" lIns="0" tIns="0" rIns="0" bIns="0" numCol="1" anchor="t" anchorCtr="0" compatLnSpc="1">
-            <a:prstTxWarp prst="textNoShape">
-              <a:avLst/>
-            </a:prstTxWarp>
             <a:spAutoFit/>
           </a:bodyPr>
           <a:lstStyle>
@@ -3232,6 +3082,7 @@
               <a:rPr lang="en-US" dirty="0"/>
               <a:t>Copyright © 2017 Elephant Scale. All rights reserved.</a:t>
             </a:r>
+            <a:endParaRPr lang="en-US" dirty="0"/>
           </a:p>
         </p:txBody>
       </p:sp>
@@ -3244,7 +3095,7 @@
           <p:nvPr/>
         </p:nvPicPr>
         <p:blipFill>
-          <a:blip r:embed="rId6"/>
+          <a:blip r:embed="rId5"/>
           <a:srcRect/>
           <a:stretch>
             <a:fillRect/>
@@ -3291,16 +3142,10 @@
           <a:ln w="9525">
             <a:noFill/>
             <a:miter lim="800000"/>
-            <a:headEnd/>
-            <a:tailEnd/>
           </a:ln>
         </p:spPr>
         <p:txBody>
-          <a:bodyPr vert="horz" wrap="square" lIns="92007" tIns="46005" rIns="92007" bIns="46005" numCol="1" anchor="b" anchorCtr="0" compatLnSpc="1">
-            <a:prstTxWarp prst="textNoShape">
-              <a:avLst/>
-            </a:prstTxWarp>
-          </a:bodyPr>
+          <a:bodyPr vert="horz" wrap="square" lIns="92007" tIns="46005" rIns="92007" bIns="46005" numCol="1" anchor="b" anchorCtr="0" compatLnSpc="1"/>
           <a:lstStyle/>
           <a:p>
             <a:pPr lvl="0"/>
@@ -3308,6 +3153,7 @@
               <a:rPr lang="en-US" dirty="0"/>
               <a:t>Click to edit Master title style</a:t>
             </a:r>
+            <a:endParaRPr lang="en-US" dirty="0"/>
           </a:p>
         </p:txBody>
       </p:sp>
@@ -3315,10 +3161,10 @@
   </p:cSld>
   <p:clrMap bg1="dk2" tx1="lt1" bg2="dk1" tx2="lt2" accent1="accent1" accent2="accent2" accent3="accent3" accent4="accent4" accent5="accent5" accent6="accent6" hlink="hlink" folHlink="folHlink"/>
   <p:sldLayoutIdLst>
-    <p:sldLayoutId id="2147483656" r:id="rId1"/>
-    <p:sldLayoutId id="2147483655" r:id="rId2"/>
-    <p:sldLayoutId id="2147483654" r:id="rId3"/>
-    <p:sldLayoutId id="2147483653" r:id="rId4"/>
+    <p:sldLayoutId id="2147483649" r:id="rId1"/>
+    <p:sldLayoutId id="2147483650" r:id="rId2"/>
+    <p:sldLayoutId id="2147483651" r:id="rId3"/>
+    <p:sldLayoutId id="2147483652" r:id="rId4"/>
   </p:sldLayoutIdLst>
   <p:hf hdr="0" dt="0"/>
   <p:txStyles>
@@ -3335,8 +3181,8 @@
             <a:schemeClr val="tx1"/>
           </a:solidFill>
           <a:latin typeface="+mj-lt"/>
-          <a:ea typeface="ＭＳ Ｐゴシック" pitchFamily="-110" charset="-128"/>
-          <a:cs typeface="ＭＳ Ｐゴシック" pitchFamily="-110" charset="-128"/>
+          <a:ea typeface="MS PGothic" pitchFamily="-110" charset="-128"/>
+          <a:cs typeface="MS PGothic" pitchFamily="-110" charset="-128"/>
         </a:defRPr>
       </a:lvl1pPr>
       <a:lvl2pPr algn="l" rtl="0" eaLnBrk="0" fontAlgn="base" hangingPunct="0">
@@ -3350,9 +3196,9 @@
           <a:solidFill>
             <a:schemeClr val="tx1"/>
           </a:solidFill>
-          <a:latin typeface="Verdana" pitchFamily="-110" charset="0"/>
-          <a:ea typeface="ＭＳ Ｐゴシック" pitchFamily="-110" charset="-128"/>
-          <a:cs typeface="ＭＳ Ｐゴシック" pitchFamily="-110" charset="-128"/>
+          <a:latin typeface="Verdana" panose="020B0604030504040204" pitchFamily="-110" charset="0"/>
+          <a:ea typeface="MS PGothic" pitchFamily="-110" charset="-128"/>
+          <a:cs typeface="MS PGothic" pitchFamily="-110" charset="-128"/>
         </a:defRPr>
       </a:lvl2pPr>
       <a:lvl3pPr algn="l" rtl="0" eaLnBrk="0" fontAlgn="base" hangingPunct="0">
@@ -3366,9 +3212,9 @@
           <a:solidFill>
             <a:schemeClr val="tx1"/>
           </a:solidFill>
-          <a:latin typeface="Verdana" pitchFamily="-110" charset="0"/>
-          <a:ea typeface="ＭＳ Ｐゴシック" pitchFamily="-110" charset="-128"/>
-          <a:cs typeface="ＭＳ Ｐゴシック" pitchFamily="-110" charset="-128"/>
+          <a:latin typeface="Verdana" panose="020B0604030504040204" pitchFamily="-110" charset="0"/>
+          <a:ea typeface="MS PGothic" pitchFamily="-110" charset="-128"/>
+          <a:cs typeface="MS PGothic" pitchFamily="-110" charset="-128"/>
         </a:defRPr>
       </a:lvl3pPr>
       <a:lvl4pPr algn="l" rtl="0" eaLnBrk="0" fontAlgn="base" hangingPunct="0">
@@ -3382,9 +3228,9 @@
           <a:solidFill>
             <a:schemeClr val="tx1"/>
           </a:solidFill>
-          <a:latin typeface="Verdana" pitchFamily="-110" charset="0"/>
-          <a:ea typeface="ＭＳ Ｐゴシック" pitchFamily="-110" charset="-128"/>
-          <a:cs typeface="ＭＳ Ｐゴシック" pitchFamily="-110" charset="-128"/>
+          <a:latin typeface="Verdana" panose="020B0604030504040204" pitchFamily="-110" charset="0"/>
+          <a:ea typeface="MS PGothic" pitchFamily="-110" charset="-128"/>
+          <a:cs typeface="MS PGothic" pitchFamily="-110" charset="-128"/>
         </a:defRPr>
       </a:lvl4pPr>
       <a:lvl5pPr algn="l" rtl="0" eaLnBrk="0" fontAlgn="base" hangingPunct="0">
@@ -3398,9 +3244,9 @@
           <a:solidFill>
             <a:schemeClr val="tx1"/>
           </a:solidFill>
-          <a:latin typeface="Verdana" pitchFamily="-110" charset="0"/>
-          <a:ea typeface="ＭＳ Ｐゴシック" pitchFamily="-110" charset="-128"/>
-          <a:cs typeface="ＭＳ Ｐゴシック" pitchFamily="-110" charset="-128"/>
+          <a:latin typeface="Verdana" panose="020B0604030504040204" pitchFamily="-110" charset="0"/>
+          <a:ea typeface="MS PGothic" pitchFamily="-110" charset="-128"/>
+          <a:cs typeface="MS PGothic" pitchFamily="-110" charset="-128"/>
         </a:defRPr>
       </a:lvl5pPr>
       <a:lvl6pPr marL="457200" algn="l" rtl="0" eaLnBrk="0" fontAlgn="base" hangingPunct="0">
@@ -3414,7 +3260,7 @@
           <a:solidFill>
             <a:schemeClr val="tx1"/>
           </a:solidFill>
-          <a:latin typeface="Verdana" pitchFamily="-110" charset="0"/>
+          <a:latin typeface="Verdana" panose="020B0604030504040204" pitchFamily="-110" charset="0"/>
         </a:defRPr>
       </a:lvl6pPr>
       <a:lvl7pPr marL="914400" algn="l" rtl="0" eaLnBrk="0" fontAlgn="base" hangingPunct="0">
@@ -3428,7 +3274,7 @@
           <a:solidFill>
             <a:schemeClr val="tx1"/>
           </a:solidFill>
-          <a:latin typeface="Verdana" pitchFamily="-110" charset="0"/>
+          <a:latin typeface="Verdana" panose="020B0604030504040204" pitchFamily="-110" charset="0"/>
         </a:defRPr>
       </a:lvl7pPr>
       <a:lvl8pPr marL="1371600" algn="l" rtl="0" eaLnBrk="0" fontAlgn="base" hangingPunct="0">
@@ -3442,7 +3288,7 @@
           <a:solidFill>
             <a:schemeClr val="tx1"/>
           </a:solidFill>
-          <a:latin typeface="Verdana" pitchFamily="-110" charset="0"/>
+          <a:latin typeface="Verdana" panose="020B0604030504040204" pitchFamily="-110" charset="0"/>
         </a:defRPr>
       </a:lvl8pPr>
       <a:lvl9pPr marL="1828800" algn="l" rtl="0" eaLnBrk="0" fontAlgn="base" hangingPunct="0">
@@ -3456,12 +3302,12 @@
           <a:solidFill>
             <a:schemeClr val="tx1"/>
           </a:solidFill>
-          <a:latin typeface="Verdana" pitchFamily="-110" charset="0"/>
+          <a:latin typeface="Verdana" panose="020B0604030504040204" pitchFamily="-110" charset="0"/>
         </a:defRPr>
       </a:lvl9pPr>
     </p:titleStyle>
     <p:bodyStyle>
-      <a:lvl1pPr marL="290513" indent="-290513" algn="l" rtl="0" eaLnBrk="0" fontAlgn="base" hangingPunct="0">
+      <a:lvl1pPr marL="290830" indent="-290830" algn="l" rtl="0" eaLnBrk="0" fontAlgn="base" hangingPunct="0">
         <a:spcBef>
           <a:spcPct val="20000"/>
         </a:spcBef>
@@ -3472,18 +3318,18 @@
           <a:schemeClr val="tx2"/>
         </a:buClr>
         <a:buSzPct val="65000"/>
-        <a:buFont typeface="Wingdings" pitchFamily="2" charset="2"/>
+        <a:buFont typeface="Wingdings" panose="05000000000000000000" pitchFamily="2" charset="2"/>
         <a:buChar char=""/>
         <a:defRPr sz="2400">
           <a:solidFill>
             <a:srgbClr val="000000"/>
           </a:solidFill>
           <a:latin typeface="+mn-lt"/>
-          <a:ea typeface="ＭＳ Ｐゴシック" pitchFamily="-110" charset="-128"/>
-          <a:cs typeface="ＭＳ Ｐゴシック" pitchFamily="-110" charset="-128"/>
+          <a:ea typeface="MS PGothic" pitchFamily="-110" charset="-128"/>
+          <a:cs typeface="MS PGothic" pitchFamily="-110" charset="-128"/>
         </a:defRPr>
       </a:lvl1pPr>
-      <a:lvl2pPr marL="633413" indent="-228600" algn="l" rtl="0" eaLnBrk="0" fontAlgn="base" hangingPunct="0">
+      <a:lvl2pPr marL="633730" indent="-228600" algn="l" rtl="0" eaLnBrk="0" fontAlgn="base" hangingPunct="0">
         <a:spcBef>
           <a:spcPct val="20000"/>
         </a:spcBef>
@@ -3499,11 +3345,11 @@
             <a:srgbClr val="000000"/>
           </a:solidFill>
           <a:latin typeface="+mn-lt"/>
-          <a:ea typeface="ＭＳ Ｐゴシック" pitchFamily="-110" charset="-128"/>
-          <a:cs typeface="ＭＳ Ｐゴシック"/>
+          <a:ea typeface="MS PGothic" pitchFamily="-110" charset="-128"/>
+          <a:cs typeface="MS PGothic"/>
         </a:defRPr>
       </a:lvl2pPr>
-      <a:lvl3pPr marL="969963" indent="-222250" algn="l" rtl="0" eaLnBrk="0" fontAlgn="base" hangingPunct="0">
+      <a:lvl3pPr marL="970280" indent="-222250" algn="l" rtl="0" eaLnBrk="0" fontAlgn="base" hangingPunct="0">
         <a:spcBef>
           <a:spcPct val="20000"/>
         </a:spcBef>
@@ -3516,11 +3362,11 @@
             <a:srgbClr val="000000"/>
           </a:solidFill>
           <a:latin typeface="+mn-lt"/>
-          <a:ea typeface="ＭＳ Ｐゴシック" pitchFamily="-110" charset="-128"/>
-          <a:cs typeface="ＭＳ Ｐゴシック"/>
+          <a:ea typeface="MS PGothic" pitchFamily="-110" charset="-128"/>
+          <a:cs typeface="MS PGothic"/>
         </a:defRPr>
       </a:lvl3pPr>
-      <a:lvl4pPr marL="1258888" indent="-228600" algn="l" rtl="0" eaLnBrk="0" fontAlgn="base" hangingPunct="0">
+      <a:lvl4pPr marL="1259205" indent="-228600" algn="l" rtl="0" eaLnBrk="0" fontAlgn="base" hangingPunct="0">
         <a:spcBef>
           <a:spcPct val="0"/>
         </a:spcBef>
@@ -3538,11 +3384,11 @@
             <a:srgbClr val="000000"/>
           </a:solidFill>
           <a:latin typeface="+mn-lt"/>
-          <a:ea typeface="ＭＳ Ｐゴシック" pitchFamily="-110" charset="-128"/>
-          <a:cs typeface="ＭＳ Ｐゴシック"/>
+          <a:ea typeface="MS PGothic" pitchFamily="-110" charset="-128"/>
+          <a:cs typeface="MS PGothic"/>
         </a:defRPr>
       </a:lvl4pPr>
-      <a:lvl5pPr marL="2055813" indent="-230188" algn="l" rtl="0" eaLnBrk="0" fontAlgn="base" hangingPunct="0">
+      <a:lvl5pPr marL="2056130" indent="-230505" algn="l" rtl="0" eaLnBrk="0" fontAlgn="base" hangingPunct="0">
         <a:spcBef>
           <a:spcPct val="20000"/>
         </a:spcBef>
@@ -3556,12 +3402,12 @@
           <a:solidFill>
             <a:schemeClr val="tx1"/>
           </a:solidFill>
-          <a:latin typeface="Times New Roman" pitchFamily="-110" charset="0"/>
-          <a:ea typeface="ＭＳ Ｐゴシック" pitchFamily="-110" charset="-128"/>
-          <a:cs typeface="ＭＳ Ｐゴシック"/>
+          <a:latin typeface="Times New Roman" panose="02020603050405020304" pitchFamily="-110" charset="0"/>
+          <a:ea typeface="MS PGothic" pitchFamily="-110" charset="-128"/>
+          <a:cs typeface="MS PGothic"/>
         </a:defRPr>
       </a:lvl5pPr>
-      <a:lvl6pPr marL="2513013" indent="-230188" algn="l" rtl="0" eaLnBrk="0" fontAlgn="base" hangingPunct="0">
+      <a:lvl6pPr marL="2513330" indent="-230505" algn="l" rtl="0" eaLnBrk="0" fontAlgn="base" hangingPunct="0">
         <a:spcBef>
           <a:spcPct val="20000"/>
         </a:spcBef>
@@ -3575,11 +3421,11 @@
           <a:solidFill>
             <a:schemeClr val="tx1"/>
           </a:solidFill>
-          <a:latin typeface="Times New Roman" pitchFamily="-110" charset="0"/>
-          <a:ea typeface="ＭＳ Ｐゴシック" pitchFamily="-110" charset="-128"/>
+          <a:latin typeface="Times New Roman" panose="02020603050405020304" pitchFamily="-110" charset="0"/>
+          <a:ea typeface="MS PGothic" pitchFamily="-110" charset="-128"/>
         </a:defRPr>
       </a:lvl6pPr>
-      <a:lvl7pPr marL="2970213" indent="-230188" algn="l" rtl="0" eaLnBrk="0" fontAlgn="base" hangingPunct="0">
+      <a:lvl7pPr marL="2970530" indent="-230505" algn="l" rtl="0" eaLnBrk="0" fontAlgn="base" hangingPunct="0">
         <a:spcBef>
           <a:spcPct val="20000"/>
         </a:spcBef>
@@ -3593,11 +3439,11 @@
           <a:solidFill>
             <a:schemeClr val="tx1"/>
           </a:solidFill>
-          <a:latin typeface="Times New Roman" pitchFamily="-110" charset="0"/>
-          <a:ea typeface="ＭＳ Ｐゴシック" pitchFamily="-110" charset="-128"/>
+          <a:latin typeface="Times New Roman" panose="02020603050405020304" pitchFamily="-110" charset="0"/>
+          <a:ea typeface="MS PGothic" pitchFamily="-110" charset="-128"/>
         </a:defRPr>
       </a:lvl7pPr>
-      <a:lvl8pPr marL="3427413" indent="-230188" algn="l" rtl="0" eaLnBrk="0" fontAlgn="base" hangingPunct="0">
+      <a:lvl8pPr marL="3427730" indent="-230505" algn="l" rtl="0" eaLnBrk="0" fontAlgn="base" hangingPunct="0">
         <a:spcBef>
           <a:spcPct val="20000"/>
         </a:spcBef>
@@ -3611,11 +3457,11 @@
           <a:solidFill>
             <a:schemeClr val="tx1"/>
           </a:solidFill>
-          <a:latin typeface="Times New Roman" pitchFamily="-110" charset="0"/>
-          <a:ea typeface="ＭＳ Ｐゴシック" pitchFamily="-110" charset="-128"/>
+          <a:latin typeface="Times New Roman" panose="02020603050405020304" pitchFamily="-110" charset="0"/>
+          <a:ea typeface="MS PGothic" pitchFamily="-110" charset="-128"/>
         </a:defRPr>
       </a:lvl8pPr>
-      <a:lvl9pPr marL="3884613" indent="-230188" algn="l" rtl="0" eaLnBrk="0" fontAlgn="base" hangingPunct="0">
+      <a:lvl9pPr marL="3884930" indent="-230505" algn="l" rtl="0" eaLnBrk="0" fontAlgn="base" hangingPunct="0">
         <a:spcBef>
           <a:spcPct val="20000"/>
         </a:spcBef>
@@ -3629,8 +3475,8 @@
           <a:solidFill>
             <a:schemeClr val="tx1"/>
           </a:solidFill>
-          <a:latin typeface="Times New Roman" pitchFamily="-110" charset="0"/>
-          <a:ea typeface="ＭＳ Ｐゴシック" pitchFamily="-110" charset="-128"/>
+          <a:latin typeface="Times New Roman" panose="02020603050405020304" pitchFamily="-110" charset="0"/>
+          <a:ea typeface="MS PGothic" pitchFamily="-110" charset="-128"/>
         </a:defRPr>
       </a:lvl9pPr>
     </p:bodyStyle>
@@ -3734,7 +3580,7 @@
 </file>
 
 <file path=ppt/slides/slide1.xml><?xml version="1.0" encoding="utf-8"?>
-<p:sld xmlns:a="http://schemas.openxmlformats.org/drawingml/2006/main" xmlns:p="http://schemas.openxmlformats.org/presentationml/2006/main" xmlns:r="http://schemas.openxmlformats.org/officeDocument/2006/relationships">
+<p:sld xmlns:a="http://schemas.openxmlformats.org/drawingml/2006/main" xmlns:r="http://schemas.openxmlformats.org/officeDocument/2006/relationships" xmlns:p="http://schemas.openxmlformats.org/presentationml/2006/main">
   <p:cSld>
     <p:spTree>
       <p:nvGrpSpPr>
@@ -3750,7 +3596,7 @@
             <a:spLocks noGrp="1"/>
           </p:cNvSpPr>
           <p:nvPr>
-            <p:ph type="subTitle" idx="1" sz="quarter"/>
+            <p:ph type="subTitle" sz="quarter" idx="1"/>
           </p:nvPr>
         </p:nvSpPr>
         <p:spPr/>
@@ -3772,20 +3618,12 @@
         </p:nvSpPr>
         <p:spPr/>
         <p:txBody>
-          <a:bodyPr wrap="square">
-            <a:noAutofit/>
-          </a:bodyPr>
-          <a:lstStyle/>
-          <a:p>
-            <a:r>
-              <a:rPr sz="4200" b="1" i="0">
-                <a:latin typeface="Times New Roman"/>
-              </a:rPr>
+          <a:bodyPr/>
+          <a:lstStyle/>
+          <a:p>
+            <a:r>
               <a:t>Common Attacks</a:t>
             </a:r>
-            <a:endParaRPr sz="4200" b="1" i="0">
-              <a:latin typeface="Times New Roman"/>
-            </a:endParaRPr>
           </a:p>
         </p:txBody>
       </p:sp>
@@ -3819,6 +3657,11 @@
               </a:rPr>
               <a:t>Copyright © 2021 by Elephant Scale, All Rights Reserved</a:t>
             </a:r>
+            <a:endParaRPr sz="800">
+              <a:solidFill>
+                <a:srgbClr val="000000"/>
+              </a:solidFill>
+            </a:endParaRPr>
           </a:p>
         </p:txBody>
       </p:sp>
@@ -3831,7 +3674,7 @@
 </file>
 
 <file path=ppt/slides/slide10.xml><?xml version="1.0" encoding="utf-8"?>
-<p:sld xmlns:a="http://schemas.openxmlformats.org/drawingml/2006/main" xmlns:p="http://schemas.openxmlformats.org/presentationml/2006/main" xmlns:r="http://schemas.openxmlformats.org/officeDocument/2006/relationships">
+<p:sld xmlns:a="http://schemas.openxmlformats.org/drawingml/2006/main" xmlns:r="http://schemas.openxmlformats.org/officeDocument/2006/relationships" xmlns:p="http://schemas.openxmlformats.org/presentationml/2006/main">
   <p:cSld>
     <p:spTree>
       <p:nvGrpSpPr>
@@ -3920,6 +3763,11 @@
               </a:rPr>
               <a:t>Copyright © 2021 by Elephant Scale, All Rights Reserved</a:t>
             </a:r>
+            <a:endParaRPr sz="800">
+              <a:solidFill>
+                <a:srgbClr val="000000"/>
+              </a:solidFill>
+            </a:endParaRPr>
           </a:p>
         </p:txBody>
       </p:sp>
@@ -3932,7 +3780,7 @@
           <p:nvPr/>
         </p:nvPicPr>
         <p:blipFill>
-          <a:blip r:embed="rId2"/>
+          <a:blip r:embed="rId1"/>
           <a:stretch>
             <a:fillRect/>
           </a:stretch>
@@ -3956,7 +3804,7 @@
 </file>
 
 <file path=ppt/slides/slide11.xml><?xml version="1.0" encoding="utf-8"?>
-<p:sld xmlns:a="http://schemas.openxmlformats.org/drawingml/2006/main" xmlns:p="http://schemas.openxmlformats.org/presentationml/2006/main" xmlns:r="http://schemas.openxmlformats.org/officeDocument/2006/relationships">
+<p:sld xmlns:a="http://schemas.openxmlformats.org/drawingml/2006/main" xmlns:r="http://schemas.openxmlformats.org/officeDocument/2006/relationships" xmlns:p="http://schemas.openxmlformats.org/presentationml/2006/main">
   <p:cSld>
     <p:spTree>
       <p:nvGrpSpPr>
@@ -4014,6 +3862,7 @@
               <a:rPr i="1"/>
               <a:t> Please review this suspicious transaction on your account</a:t>
             </a:r>
+            <a:endParaRPr i="1"/>
           </a:p>
           <a:p>
             <a:r>
@@ -4058,6 +3907,11 @@
               </a:rPr>
               <a:t>Copyright © 2021 by Elephant Scale, All Rights Reserved</a:t>
             </a:r>
+            <a:endParaRPr sz="800">
+              <a:solidFill>
+                <a:srgbClr val="000000"/>
+              </a:solidFill>
+            </a:endParaRPr>
           </a:p>
         </p:txBody>
       </p:sp>
@@ -4070,14 +3924,14 @@
           <p:nvPr/>
         </p:nvPicPr>
         <p:blipFill>
-          <a:blip r:embed="rId2"/>
+          <a:blip r:embed="rId1"/>
           <a:stretch>
             <a:fillRect/>
           </a:stretch>
         </p:blipFill>
         <p:spPr>
           <a:xfrm>
-            <a:off x="0" y="1792224"/>
+            <a:off x="0" y="1482344"/>
             <a:ext cx="8915400" cy="347463"/>
           </a:xfrm>
           <a:prstGeom prst="rect">
@@ -4094,15 +3948,15 @@
           <p:nvPr/>
         </p:nvPicPr>
         <p:blipFill>
-          <a:blip r:embed="rId3"/>
+          <a:blip r:embed="rId2"/>
           <a:stretch>
             <a:fillRect/>
           </a:stretch>
         </p:blipFill>
         <p:spPr>
           <a:xfrm>
-            <a:off x="0" y="3986783"/>
-            <a:ext cx="10160000" cy="787400"/>
+            <a:off x="0" y="3986530"/>
+            <a:ext cx="9239250" cy="716280"/>
           </a:xfrm>
           <a:prstGeom prst="rect">
             <a:avLst/>
@@ -4118,7 +3972,7 @@
 </file>
 
 <file path=ppt/slides/slide12.xml><?xml version="1.0" encoding="utf-8"?>
-<p:sld xmlns:a="http://schemas.openxmlformats.org/drawingml/2006/main" xmlns:p="http://schemas.openxmlformats.org/presentationml/2006/main" xmlns:r="http://schemas.openxmlformats.org/officeDocument/2006/relationships">
+<p:sld xmlns:a="http://schemas.openxmlformats.org/drawingml/2006/main" xmlns:r="http://schemas.openxmlformats.org/officeDocument/2006/relationships" xmlns:p="http://schemas.openxmlformats.org/presentationml/2006/main">
   <p:cSld>
     <p:spTree>
       <p:nvGrpSpPr>
@@ -4229,6 +4083,11 @@
               </a:rPr>
               <a:t>Copyright © 2021 by Elephant Scale, All Rights Reserved</a:t>
             </a:r>
+            <a:endParaRPr sz="800">
+              <a:solidFill>
+                <a:srgbClr val="000000"/>
+              </a:solidFill>
+            </a:endParaRPr>
           </a:p>
         </p:txBody>
       </p:sp>
@@ -4241,7 +4100,7 @@
 </file>
 
 <file path=ppt/slides/slide13.xml><?xml version="1.0" encoding="utf-8"?>
-<p:sld xmlns:a="http://schemas.openxmlformats.org/drawingml/2006/main" xmlns:p="http://schemas.openxmlformats.org/presentationml/2006/main" xmlns:r="http://schemas.openxmlformats.org/officeDocument/2006/relationships">
+<p:sld xmlns:a="http://schemas.openxmlformats.org/drawingml/2006/main" xmlns:r="http://schemas.openxmlformats.org/officeDocument/2006/relationships" xmlns:p="http://schemas.openxmlformats.org/presentationml/2006/main">
   <p:cSld>
     <p:spTree>
       <p:nvGrpSpPr>
@@ -4331,6 +4190,11 @@
               </a:rPr>
               <a:t>Copyright © 2021 by Elephant Scale, All Rights Reserved</a:t>
             </a:r>
+            <a:endParaRPr sz="800">
+              <a:solidFill>
+                <a:srgbClr val="000000"/>
+              </a:solidFill>
+            </a:endParaRPr>
           </a:p>
         </p:txBody>
       </p:sp>
@@ -4343,7 +4207,7 @@
           <p:nvPr/>
         </p:nvPicPr>
         <p:blipFill>
-          <a:blip r:embed="rId2"/>
+          <a:blip r:embed="rId1"/>
           <a:stretch>
             <a:fillRect/>
           </a:stretch>
@@ -4367,7 +4231,7 @@
 </file>
 
 <file path=ppt/slides/slide14.xml><?xml version="1.0" encoding="utf-8"?>
-<p:sld xmlns:a="http://schemas.openxmlformats.org/drawingml/2006/main" xmlns:p="http://schemas.openxmlformats.org/presentationml/2006/main" xmlns:r="http://schemas.openxmlformats.org/officeDocument/2006/relationships">
+<p:sld xmlns:a="http://schemas.openxmlformats.org/drawingml/2006/main" xmlns:r="http://schemas.openxmlformats.org/officeDocument/2006/relationships" xmlns:p="http://schemas.openxmlformats.org/presentationml/2006/main">
   <p:cSld>
     <p:spTree>
       <p:nvGrpSpPr>
@@ -4463,6 +4327,11 @@
               </a:rPr>
               <a:t>Copyright © 2021 by Elephant Scale, All Rights Reserved</a:t>
             </a:r>
+            <a:endParaRPr sz="800">
+              <a:solidFill>
+                <a:srgbClr val="000000"/>
+              </a:solidFill>
+            </a:endParaRPr>
           </a:p>
         </p:txBody>
       </p:sp>
@@ -4475,15 +4344,15 @@
           <p:nvPr/>
         </p:nvPicPr>
         <p:blipFill>
-          <a:blip r:embed="rId2"/>
+          <a:blip r:embed="rId1"/>
           <a:stretch>
             <a:fillRect/>
           </a:stretch>
         </p:blipFill>
         <p:spPr>
           <a:xfrm>
-            <a:off x="0" y="1792224"/>
-            <a:ext cx="8483600" cy="520700"/>
+            <a:off x="0" y="1786890"/>
+            <a:ext cx="7602220" cy="466725"/>
           </a:xfrm>
           <a:prstGeom prst="rect">
             <a:avLst/>
@@ -4499,14 +4368,14 @@
           <p:nvPr/>
         </p:nvPicPr>
         <p:blipFill>
-          <a:blip r:embed="rId3"/>
+          <a:blip r:embed="rId2"/>
           <a:stretch>
             <a:fillRect/>
           </a:stretch>
         </p:blipFill>
         <p:spPr>
           <a:xfrm>
-            <a:off x="0" y="2670048"/>
+            <a:off x="0" y="3158363"/>
             <a:ext cx="8915400" cy="1003943"/>
           </a:xfrm>
           <a:prstGeom prst="rect">
@@ -4523,7 +4392,7 @@
 </file>
 
 <file path=ppt/slides/slide15.xml><?xml version="1.0" encoding="utf-8"?>
-<p:sld xmlns:a="http://schemas.openxmlformats.org/drawingml/2006/main" xmlns:p="http://schemas.openxmlformats.org/presentationml/2006/main" xmlns:r="http://schemas.openxmlformats.org/officeDocument/2006/relationships">
+<p:sld xmlns:a="http://schemas.openxmlformats.org/drawingml/2006/main" xmlns:r="http://schemas.openxmlformats.org/officeDocument/2006/relationships" xmlns:p="http://schemas.openxmlformats.org/presentationml/2006/main">
   <p:cSld>
     <p:spTree>
       <p:nvGrpSpPr>
@@ -4630,6 +4499,11 @@
               </a:rPr>
               <a:t>Copyright © 2021 by Elephant Scale, All Rights Reserved</a:t>
             </a:r>
+            <a:endParaRPr sz="800">
+              <a:solidFill>
+                <a:srgbClr val="000000"/>
+              </a:solidFill>
+            </a:endParaRPr>
           </a:p>
         </p:txBody>
       </p:sp>
@@ -4642,15 +4516,15 @@
           <p:nvPr/>
         </p:nvPicPr>
         <p:blipFill>
-          <a:blip r:embed="rId2"/>
+          <a:blip r:embed="rId1"/>
           <a:stretch>
             <a:fillRect/>
           </a:stretch>
         </p:blipFill>
         <p:spPr>
           <a:xfrm>
-            <a:off x="0" y="1792224"/>
-            <a:ext cx="11074400" cy="520700"/>
+            <a:off x="0" y="1791970"/>
+            <a:ext cx="9415145" cy="442595"/>
           </a:xfrm>
           <a:prstGeom prst="rect">
             <a:avLst/>
@@ -4666,7 +4540,7 @@
 </file>
 
 <file path=ppt/slides/slide16.xml><?xml version="1.0" encoding="utf-8"?>
-<p:sld xmlns:a="http://schemas.openxmlformats.org/drawingml/2006/main" xmlns:p="http://schemas.openxmlformats.org/presentationml/2006/main" xmlns:r="http://schemas.openxmlformats.org/officeDocument/2006/relationships">
+<p:sld xmlns:a="http://schemas.openxmlformats.org/drawingml/2006/main" xmlns:r="http://schemas.openxmlformats.org/officeDocument/2006/relationships" xmlns:p="http://schemas.openxmlformats.org/presentationml/2006/main">
   <p:cSld>
     <p:spTree>
       <p:nvGrpSpPr>
@@ -4766,6 +4640,11 @@
               </a:rPr>
               <a:t>Copyright © 2021 by Elephant Scale, All Rights Reserved</a:t>
             </a:r>
+            <a:endParaRPr sz="800">
+              <a:solidFill>
+                <a:srgbClr val="000000"/>
+              </a:solidFill>
+            </a:endParaRPr>
           </a:p>
         </p:txBody>
       </p:sp>
@@ -4778,7 +4657,7 @@
           <p:nvPr/>
         </p:nvPicPr>
         <p:blipFill>
-          <a:blip r:embed="rId2"/>
+          <a:blip r:embed="rId1"/>
           <a:stretch>
             <a:fillRect/>
           </a:stretch>
@@ -4802,7 +4681,7 @@
           <p:nvPr/>
         </p:nvPicPr>
         <p:blipFill>
-          <a:blip r:embed="rId3"/>
+          <a:blip r:embed="rId2"/>
           <a:stretch>
             <a:fillRect/>
           </a:stretch>
@@ -4826,7 +4705,7 @@
           <p:nvPr/>
         </p:nvPicPr>
         <p:blipFill>
-          <a:blip r:embed="rId4"/>
+          <a:blip r:embed="rId3"/>
           <a:stretch>
             <a:fillRect/>
           </a:stretch>
@@ -4850,7 +4729,7 @@
 </file>
 
 <file path=ppt/slides/slide17.xml><?xml version="1.0" encoding="utf-8"?>
-<p:sld xmlns:a="http://schemas.openxmlformats.org/drawingml/2006/main" xmlns:p="http://schemas.openxmlformats.org/presentationml/2006/main" xmlns:r="http://schemas.openxmlformats.org/officeDocument/2006/relationships">
+<p:sld xmlns:a="http://schemas.openxmlformats.org/drawingml/2006/main" xmlns:r="http://schemas.openxmlformats.org/officeDocument/2006/relationships" xmlns:p="http://schemas.openxmlformats.org/presentationml/2006/main">
   <p:cSld>
     <p:spTree>
       <p:nvGrpSpPr>
@@ -4954,6 +4833,11 @@
               </a:rPr>
               <a:t>Copyright © 2021 by Elephant Scale, All Rights Reserved</a:t>
             </a:r>
+            <a:endParaRPr sz="800">
+              <a:solidFill>
+                <a:srgbClr val="000000"/>
+              </a:solidFill>
+            </a:endParaRPr>
           </a:p>
         </p:txBody>
       </p:sp>
@@ -4966,15 +4850,15 @@
           <p:nvPr/>
         </p:nvPicPr>
         <p:blipFill>
-          <a:blip r:embed="rId2"/>
+          <a:blip r:embed="rId1"/>
           <a:stretch>
             <a:fillRect/>
           </a:stretch>
         </p:blipFill>
         <p:spPr>
           <a:xfrm>
-            <a:off x="0" y="3108960"/>
-            <a:ext cx="10769600" cy="520700"/>
+            <a:off x="0" y="2999105"/>
+            <a:ext cx="9339580" cy="451485"/>
           </a:xfrm>
           <a:prstGeom prst="rect">
             <a:avLst/>
@@ -4990,7 +4874,7 @@
 </file>
 
 <file path=ppt/slides/slide18.xml><?xml version="1.0" encoding="utf-8"?>
-<p:sld xmlns:a="http://schemas.openxmlformats.org/drawingml/2006/main" xmlns:p="http://schemas.openxmlformats.org/presentationml/2006/main" xmlns:r="http://schemas.openxmlformats.org/officeDocument/2006/relationships">
+<p:sld xmlns:a="http://schemas.openxmlformats.org/drawingml/2006/main" xmlns:r="http://schemas.openxmlformats.org/officeDocument/2006/relationships" xmlns:p="http://schemas.openxmlformats.org/presentationml/2006/main">
   <p:cSld>
     <p:spTree>
       <p:nvGrpSpPr>
@@ -5096,6 +4980,11 @@
               </a:rPr>
               <a:t>Copyright © 2021 by Elephant Scale, All Rights Reserved</a:t>
             </a:r>
+            <a:endParaRPr sz="800">
+              <a:solidFill>
+                <a:srgbClr val="000000"/>
+              </a:solidFill>
+            </a:endParaRPr>
           </a:p>
         </p:txBody>
       </p:sp>
@@ -5108,7 +4997,7 @@
           <p:nvPr/>
         </p:nvPicPr>
         <p:blipFill>
-          <a:blip r:embed="rId2"/>
+          <a:blip r:embed="rId1"/>
           <a:stretch>
             <a:fillRect/>
           </a:stretch>
@@ -5132,7 +5021,7 @@
 </file>
 
 <file path=ppt/slides/slide19.xml><?xml version="1.0" encoding="utf-8"?>
-<p:sld xmlns:a="http://schemas.openxmlformats.org/drawingml/2006/main" xmlns:p="http://schemas.openxmlformats.org/presentationml/2006/main" xmlns:r="http://schemas.openxmlformats.org/officeDocument/2006/relationships">
+<p:sld xmlns:a="http://schemas.openxmlformats.org/drawingml/2006/main" xmlns:r="http://schemas.openxmlformats.org/officeDocument/2006/relationships" xmlns:p="http://schemas.openxmlformats.org/presentationml/2006/main">
   <p:cSld>
     <p:spTree>
       <p:nvGrpSpPr>
@@ -5255,6 +5144,11 @@
               </a:rPr>
               <a:t>Copyright © 2021 by Elephant Scale, All Rights Reserved</a:t>
             </a:r>
+            <a:endParaRPr sz="800">
+              <a:solidFill>
+                <a:srgbClr val="000000"/>
+              </a:solidFill>
+            </a:endParaRPr>
           </a:p>
         </p:txBody>
       </p:sp>
@@ -5267,7 +5161,7 @@
 </file>
 
 <file path=ppt/slides/slide2.xml><?xml version="1.0" encoding="utf-8"?>
-<p:sld xmlns:a="http://schemas.openxmlformats.org/drawingml/2006/main" xmlns:p="http://schemas.openxmlformats.org/presentationml/2006/main" xmlns:r="http://schemas.openxmlformats.org/officeDocument/2006/relationships">
+<p:sld xmlns:a="http://schemas.openxmlformats.org/drawingml/2006/main" xmlns:r="http://schemas.openxmlformats.org/officeDocument/2006/relationships" xmlns:p="http://schemas.openxmlformats.org/presentationml/2006/main">
   <p:cSld>
     <p:spTree>
       <p:nvGrpSpPr>
@@ -5407,6 +5301,11 @@
               </a:rPr>
               <a:t>Copyright © 2021 by Elephant Scale, All Rights Reserved</a:t>
             </a:r>
+            <a:endParaRPr sz="800">
+              <a:solidFill>
+                <a:srgbClr val="000000"/>
+              </a:solidFill>
+            </a:endParaRPr>
           </a:p>
         </p:txBody>
       </p:sp>
@@ -5419,7 +5318,7 @@
 </file>
 
 <file path=ppt/slides/slide20.xml><?xml version="1.0" encoding="utf-8"?>
-<p:sld xmlns:a="http://schemas.openxmlformats.org/drawingml/2006/main" xmlns:p="http://schemas.openxmlformats.org/presentationml/2006/main" xmlns:r="http://schemas.openxmlformats.org/officeDocument/2006/relationships">
+<p:sld xmlns:a="http://schemas.openxmlformats.org/drawingml/2006/main" xmlns:r="http://schemas.openxmlformats.org/officeDocument/2006/relationships" xmlns:p="http://schemas.openxmlformats.org/presentationml/2006/main">
   <p:cSld>
     <p:spTree>
       <p:nvGrpSpPr>
@@ -5518,6 +5417,11 @@
               </a:rPr>
               <a:t>Copyright © 2021 by Elephant Scale, All Rights Reserved</a:t>
             </a:r>
+            <a:endParaRPr sz="800">
+              <a:solidFill>
+                <a:srgbClr val="000000"/>
+              </a:solidFill>
+            </a:endParaRPr>
           </a:p>
         </p:txBody>
       </p:sp>
@@ -5530,14 +5434,14 @@
           <p:nvPr/>
         </p:nvPicPr>
         <p:blipFill>
-          <a:blip r:embed="rId2"/>
+          <a:blip r:embed="rId1"/>
           <a:stretch>
             <a:fillRect/>
           </a:stretch>
         </p:blipFill>
         <p:spPr>
           <a:xfrm>
-            <a:off x="0" y="3108960"/>
+            <a:off x="0" y="2625090"/>
             <a:ext cx="8915400" cy="351472"/>
           </a:xfrm>
           <a:prstGeom prst="rect">
@@ -5554,7 +5458,7 @@
 </file>
 
 <file path=ppt/slides/slide21.xml><?xml version="1.0" encoding="utf-8"?>
-<p:sld xmlns:a="http://schemas.openxmlformats.org/drawingml/2006/main" xmlns:p="http://schemas.openxmlformats.org/presentationml/2006/main" xmlns:r="http://schemas.openxmlformats.org/officeDocument/2006/relationships">
+<p:sld xmlns:a="http://schemas.openxmlformats.org/drawingml/2006/main" xmlns:r="http://schemas.openxmlformats.org/officeDocument/2006/relationships" xmlns:p="http://schemas.openxmlformats.org/presentationml/2006/main">
   <p:cSld>
     <p:spTree>
       <p:nvGrpSpPr>
@@ -5669,6 +5573,11 @@
               </a:rPr>
               <a:t>Copyright © 2021 by Elephant Scale, All Rights Reserved</a:t>
             </a:r>
+            <a:endParaRPr sz="800">
+              <a:solidFill>
+                <a:srgbClr val="000000"/>
+              </a:solidFill>
+            </a:endParaRPr>
           </a:p>
         </p:txBody>
       </p:sp>
@@ -5681,7 +5590,7 @@
 </file>
 
 <file path=ppt/slides/slide22.xml><?xml version="1.0" encoding="utf-8"?>
-<p:sld xmlns:a="http://schemas.openxmlformats.org/drawingml/2006/main" xmlns:p="http://schemas.openxmlformats.org/presentationml/2006/main" xmlns:r="http://schemas.openxmlformats.org/officeDocument/2006/relationships">
+<p:sld xmlns:a="http://schemas.openxmlformats.org/drawingml/2006/main" xmlns:r="http://schemas.openxmlformats.org/officeDocument/2006/relationships" xmlns:p="http://schemas.openxmlformats.org/presentationml/2006/main">
   <p:cSld>
     <p:spTree>
       <p:nvGrpSpPr>
@@ -5774,6 +5683,11 @@
               </a:rPr>
               <a:t>Copyright © 2021 by Elephant Scale, All Rights Reserved</a:t>
             </a:r>
+            <a:endParaRPr sz="800">
+              <a:solidFill>
+                <a:srgbClr val="000000"/>
+              </a:solidFill>
+            </a:endParaRPr>
           </a:p>
         </p:txBody>
       </p:sp>
@@ -5786,14 +5700,14 @@
           <p:nvPr/>
         </p:nvPicPr>
         <p:blipFill>
-          <a:blip r:embed="rId2"/>
+          <a:blip r:embed="rId1"/>
           <a:stretch>
             <a:fillRect/>
           </a:stretch>
         </p:blipFill>
         <p:spPr>
           <a:xfrm>
-            <a:off x="704088" y="1353312"/>
+            <a:off x="704088" y="1710817"/>
             <a:ext cx="7507224" cy="3482343"/>
           </a:xfrm>
           <a:prstGeom prst="rect">
@@ -5810,7 +5724,7 @@
 </file>
 
 <file path=ppt/slides/slide23.xml><?xml version="1.0" encoding="utf-8"?>
-<p:sld xmlns:a="http://schemas.openxmlformats.org/drawingml/2006/main" xmlns:p="http://schemas.openxmlformats.org/presentationml/2006/main" xmlns:r="http://schemas.openxmlformats.org/officeDocument/2006/relationships">
+<p:sld xmlns:a="http://schemas.openxmlformats.org/drawingml/2006/main" xmlns:r="http://schemas.openxmlformats.org/officeDocument/2006/relationships" xmlns:p="http://schemas.openxmlformats.org/presentationml/2006/main">
   <p:cSld>
     <p:spTree>
       <p:nvGrpSpPr>
@@ -5893,6 +5807,7 @@
               <a:rPr i="1"/>
               <a:t> manipulator in the middle</a:t>
             </a:r>
+            <a:endParaRPr i="1"/>
           </a:p>
           <a:p>
             <a:r>
@@ -5945,6 +5860,11 @@
               </a:rPr>
               <a:t>Copyright © 2021 by Elephant Scale, All Rights Reserved</a:t>
             </a:r>
+            <a:endParaRPr sz="800">
+              <a:solidFill>
+                <a:srgbClr val="000000"/>
+              </a:solidFill>
+            </a:endParaRPr>
           </a:p>
         </p:txBody>
       </p:sp>
@@ -5957,15 +5877,15 @@
           <p:nvPr/>
         </p:nvPicPr>
         <p:blipFill>
-          <a:blip r:embed="rId2"/>
+          <a:blip r:embed="rId1"/>
           <a:stretch>
             <a:fillRect/>
           </a:stretch>
         </p:blipFill>
         <p:spPr>
           <a:xfrm>
-            <a:off x="704088" y="6181344"/>
-            <a:ext cx="1318181" cy="457200"/>
+            <a:off x="1028700" y="5825490"/>
+            <a:ext cx="5623560" cy="1950720"/>
           </a:xfrm>
           <a:prstGeom prst="rect">
             <a:avLst/>
@@ -5981,7 +5901,7 @@
 </file>
 
 <file path=ppt/slides/slide24.xml><?xml version="1.0" encoding="utf-8"?>
-<p:sld xmlns:a="http://schemas.openxmlformats.org/drawingml/2006/main" xmlns:p="http://schemas.openxmlformats.org/presentationml/2006/main" xmlns:r="http://schemas.openxmlformats.org/officeDocument/2006/relationships">
+<p:sld xmlns:a="http://schemas.openxmlformats.org/drawingml/2006/main" xmlns:r="http://schemas.openxmlformats.org/officeDocument/2006/relationships" xmlns:p="http://schemas.openxmlformats.org/presentationml/2006/main">
   <p:cSld>
     <p:spTree>
       <p:nvGrpSpPr>
@@ -6114,6 +6034,11 @@
               </a:rPr>
               <a:t>Copyright © 2021 by Elephant Scale, All Rights Reserved</a:t>
             </a:r>
+            <a:endParaRPr sz="800">
+              <a:solidFill>
+                <a:srgbClr val="000000"/>
+              </a:solidFill>
+            </a:endParaRPr>
           </a:p>
         </p:txBody>
       </p:sp>
@@ -6126,7 +6051,7 @@
 </file>
 
 <file path=ppt/slides/slide25.xml><?xml version="1.0" encoding="utf-8"?>
-<p:sld xmlns:a="http://schemas.openxmlformats.org/drawingml/2006/main" xmlns:p="http://schemas.openxmlformats.org/presentationml/2006/main" xmlns:r="http://schemas.openxmlformats.org/officeDocument/2006/relationships">
+<p:sld xmlns:a="http://schemas.openxmlformats.org/drawingml/2006/main" xmlns:r="http://schemas.openxmlformats.org/officeDocument/2006/relationships" xmlns:p="http://schemas.openxmlformats.org/presentationml/2006/main">
   <p:cSld>
     <p:spTree>
       <p:nvGrpSpPr>
@@ -6216,6 +6141,11 @@
               </a:rPr>
               <a:t>Copyright © 2021 by Elephant Scale, All Rights Reserved</a:t>
             </a:r>
+            <a:endParaRPr sz="800">
+              <a:solidFill>
+                <a:srgbClr val="000000"/>
+              </a:solidFill>
+            </a:endParaRPr>
           </a:p>
         </p:txBody>
       </p:sp>
@@ -6228,14 +6158,14 @@
           <p:nvPr/>
         </p:nvPicPr>
         <p:blipFill>
-          <a:blip r:embed="rId2"/>
+          <a:blip r:embed="rId1"/>
           <a:stretch>
             <a:fillRect/>
           </a:stretch>
         </p:blipFill>
         <p:spPr>
           <a:xfrm>
-            <a:off x="704088" y="914400"/>
+            <a:off x="723773" y="1710690"/>
             <a:ext cx="7507224" cy="4101947"/>
           </a:xfrm>
           <a:prstGeom prst="rect">
@@ -6252,7 +6182,7 @@
 </file>
 
 <file path=ppt/slides/slide26.xml><?xml version="1.0" encoding="utf-8"?>
-<p:sld xmlns:a="http://schemas.openxmlformats.org/drawingml/2006/main" xmlns:p="http://schemas.openxmlformats.org/presentationml/2006/main" xmlns:r="http://schemas.openxmlformats.org/officeDocument/2006/relationships">
+<p:sld xmlns:a="http://schemas.openxmlformats.org/drawingml/2006/main" xmlns:r="http://schemas.openxmlformats.org/officeDocument/2006/relationships" xmlns:p="http://schemas.openxmlformats.org/presentationml/2006/main">
   <p:cSld>
     <p:spTree>
       <p:nvGrpSpPr>
@@ -6370,6 +6300,11 @@
               </a:rPr>
               <a:t>Copyright © 2021 by Elephant Scale, All Rights Reserved</a:t>
             </a:r>
+            <a:endParaRPr sz="800">
+              <a:solidFill>
+                <a:srgbClr val="000000"/>
+              </a:solidFill>
+            </a:endParaRPr>
           </a:p>
         </p:txBody>
       </p:sp>
@@ -6382,7 +6317,7 @@
 </file>
 
 <file path=ppt/slides/slide27.xml><?xml version="1.0" encoding="utf-8"?>
-<p:sld xmlns:a="http://schemas.openxmlformats.org/drawingml/2006/main" xmlns:p="http://schemas.openxmlformats.org/presentationml/2006/main" xmlns:r="http://schemas.openxmlformats.org/officeDocument/2006/relationships">
+<p:sld xmlns:a="http://schemas.openxmlformats.org/drawingml/2006/main" xmlns:r="http://schemas.openxmlformats.org/officeDocument/2006/relationships" xmlns:p="http://schemas.openxmlformats.org/presentationml/2006/main">
   <p:cSld>
     <p:spTree>
       <p:nvGrpSpPr>
@@ -6490,6 +6425,11 @@
               </a:rPr>
               <a:t>Copyright © 2021 by Elephant Scale, All Rights Reserved</a:t>
             </a:r>
+            <a:endParaRPr sz="800">
+              <a:solidFill>
+                <a:srgbClr val="000000"/>
+              </a:solidFill>
+            </a:endParaRPr>
           </a:p>
         </p:txBody>
       </p:sp>
@@ -6502,15 +6442,15 @@
           <p:nvPr/>
         </p:nvPicPr>
         <p:blipFill>
-          <a:blip r:embed="rId2"/>
+          <a:blip r:embed="rId1"/>
           <a:stretch>
             <a:fillRect/>
           </a:stretch>
         </p:blipFill>
         <p:spPr>
           <a:xfrm>
-            <a:off x="704088" y="914400"/>
-            <a:ext cx="8001000" cy="3530600"/>
+            <a:off x="704215" y="914400"/>
+            <a:ext cx="6884670" cy="3037840"/>
           </a:xfrm>
           <a:prstGeom prst="rect">
             <a:avLst/>
@@ -6526,7 +6466,7 @@
 </file>
 
 <file path=ppt/slides/slide28.xml><?xml version="1.0" encoding="utf-8"?>
-<p:sld xmlns:a="http://schemas.openxmlformats.org/drawingml/2006/main" xmlns:p="http://schemas.openxmlformats.org/presentationml/2006/main" xmlns:r="http://schemas.openxmlformats.org/officeDocument/2006/relationships">
+<p:sld xmlns:a="http://schemas.openxmlformats.org/drawingml/2006/main" xmlns:r="http://schemas.openxmlformats.org/officeDocument/2006/relationships" xmlns:p="http://schemas.openxmlformats.org/presentationml/2006/main">
   <p:cSld>
     <p:spTree>
       <p:nvGrpSpPr>
@@ -6665,6 +6605,11 @@
               </a:rPr>
               <a:t>Copyright © 2021 by Elephant Scale, All Rights Reserved</a:t>
             </a:r>
+            <a:endParaRPr sz="800">
+              <a:solidFill>
+                <a:srgbClr val="000000"/>
+              </a:solidFill>
+            </a:endParaRPr>
           </a:p>
         </p:txBody>
       </p:sp>
@@ -6677,7 +6622,7 @@
 </file>
 
 <file path=ppt/slides/slide29.xml><?xml version="1.0" encoding="utf-8"?>
-<p:sld xmlns:a="http://schemas.openxmlformats.org/drawingml/2006/main" xmlns:p="http://schemas.openxmlformats.org/presentationml/2006/main" xmlns:r="http://schemas.openxmlformats.org/officeDocument/2006/relationships">
+<p:sld xmlns:a="http://schemas.openxmlformats.org/drawingml/2006/main" xmlns:r="http://schemas.openxmlformats.org/officeDocument/2006/relationships" xmlns:p="http://schemas.openxmlformats.org/presentationml/2006/main">
   <p:cSld>
     <p:spTree>
       <p:nvGrpSpPr>
@@ -6781,6 +6726,11 @@
               </a:rPr>
               <a:t>Copyright © 2021 by Elephant Scale, All Rights Reserved</a:t>
             </a:r>
+            <a:endParaRPr sz="800">
+              <a:solidFill>
+                <a:srgbClr val="000000"/>
+              </a:solidFill>
+            </a:endParaRPr>
           </a:p>
         </p:txBody>
       </p:sp>
@@ -6793,7 +6743,7 @@
           <p:nvPr/>
         </p:nvPicPr>
         <p:blipFill>
-          <a:blip r:embed="rId2"/>
+          <a:blip r:embed="rId1"/>
           <a:stretch>
             <a:fillRect/>
           </a:stretch>
@@ -6817,7 +6767,7 @@
 </file>
 
 <file path=ppt/slides/slide3.xml><?xml version="1.0" encoding="utf-8"?>
-<p:sld xmlns:a="http://schemas.openxmlformats.org/drawingml/2006/main" xmlns:p="http://schemas.openxmlformats.org/presentationml/2006/main" xmlns:r="http://schemas.openxmlformats.org/officeDocument/2006/relationships">
+<p:sld xmlns:a="http://schemas.openxmlformats.org/drawingml/2006/main" xmlns:r="http://schemas.openxmlformats.org/officeDocument/2006/relationships" xmlns:p="http://schemas.openxmlformats.org/presentationml/2006/main">
   <p:cSld>
     <p:spTree>
       <p:nvGrpSpPr>
@@ -6928,6 +6878,11 @@
               </a:rPr>
               <a:t>Copyright © 2021 by Elephant Scale, All Rights Reserved</a:t>
             </a:r>
+            <a:endParaRPr sz="800">
+              <a:solidFill>
+                <a:srgbClr val="000000"/>
+              </a:solidFill>
+            </a:endParaRPr>
           </a:p>
         </p:txBody>
       </p:sp>
@@ -6940,7 +6895,7 @@
 </file>
 
 <file path=ppt/slides/slide30.xml><?xml version="1.0" encoding="utf-8"?>
-<p:sld xmlns:a="http://schemas.openxmlformats.org/drawingml/2006/main" xmlns:p="http://schemas.openxmlformats.org/presentationml/2006/main" xmlns:r="http://schemas.openxmlformats.org/officeDocument/2006/relationships">
+<p:sld xmlns:a="http://schemas.openxmlformats.org/drawingml/2006/main" xmlns:r="http://schemas.openxmlformats.org/officeDocument/2006/relationships" xmlns:p="http://schemas.openxmlformats.org/presentationml/2006/main">
   <p:cSld>
     <p:spTree>
       <p:nvGrpSpPr>
@@ -7054,6 +7009,11 @@
               </a:rPr>
               <a:t>Copyright © 2021 by Elephant Scale, All Rights Reserved</a:t>
             </a:r>
+            <a:endParaRPr sz="800">
+              <a:solidFill>
+                <a:srgbClr val="000000"/>
+              </a:solidFill>
+            </a:endParaRPr>
           </a:p>
         </p:txBody>
       </p:sp>
@@ -7066,7 +7026,7 @@
 </file>
 
 <file path=ppt/slides/slide31.xml><?xml version="1.0" encoding="utf-8"?>
-<p:sld xmlns:a="http://schemas.openxmlformats.org/drawingml/2006/main" xmlns:p="http://schemas.openxmlformats.org/presentationml/2006/main" xmlns:r="http://schemas.openxmlformats.org/officeDocument/2006/relationships">
+<p:sld xmlns:a="http://schemas.openxmlformats.org/drawingml/2006/main" xmlns:r="http://schemas.openxmlformats.org/officeDocument/2006/relationships" xmlns:p="http://schemas.openxmlformats.org/presentationml/2006/main">
   <p:cSld>
     <p:spTree>
       <p:nvGrpSpPr>
@@ -7162,6 +7122,11 @@
               </a:rPr>
               <a:t>Copyright © 2021 by Elephant Scale, All Rights Reserved</a:t>
             </a:r>
+            <a:endParaRPr sz="800">
+              <a:solidFill>
+                <a:srgbClr val="000000"/>
+              </a:solidFill>
+            </a:endParaRPr>
           </a:p>
         </p:txBody>
       </p:sp>
@@ -7174,14 +7139,14 @@
           <p:nvPr/>
         </p:nvPicPr>
         <p:blipFill>
-          <a:blip r:embed="rId2"/>
+          <a:blip r:embed="rId1"/>
           <a:stretch>
             <a:fillRect/>
           </a:stretch>
         </p:blipFill>
         <p:spPr>
           <a:xfrm>
-            <a:off x="704088" y="914400"/>
+            <a:off x="723773" y="1177290"/>
             <a:ext cx="7507224" cy="3734363"/>
           </a:xfrm>
           <a:prstGeom prst="rect">
@@ -7198,7 +7163,7 @@
 </file>
 
 <file path=ppt/slides/slide32.xml><?xml version="1.0" encoding="utf-8"?>
-<p:sld xmlns:a="http://schemas.openxmlformats.org/drawingml/2006/main" xmlns:p="http://schemas.openxmlformats.org/presentationml/2006/main" xmlns:r="http://schemas.openxmlformats.org/officeDocument/2006/relationships">
+<p:sld xmlns:a="http://schemas.openxmlformats.org/drawingml/2006/main" xmlns:r="http://schemas.openxmlformats.org/officeDocument/2006/relationships" xmlns:p="http://schemas.openxmlformats.org/presentationml/2006/main">
   <p:cSld>
     <p:spTree>
       <p:nvGrpSpPr>
@@ -7286,6 +7251,7 @@
               <a:rPr i="1"/>
               <a:t> session hijacking</a:t>
             </a:r>
+            <a:endParaRPr i="1"/>
           </a:p>
           <a:p>
             <a:r>
@@ -7336,6 +7302,11 @@
               </a:rPr>
               <a:t>Copyright © 2021 by Elephant Scale, All Rights Reserved</a:t>
             </a:r>
+            <a:endParaRPr sz="800">
+              <a:solidFill>
+                <a:srgbClr val="000000"/>
+              </a:solidFill>
+            </a:endParaRPr>
           </a:p>
         </p:txBody>
       </p:sp>
@@ -7348,7 +7319,7 @@
 </file>
 
 <file path=ppt/slides/slide33.xml><?xml version="1.0" encoding="utf-8"?>
-<p:sld xmlns:a="http://schemas.openxmlformats.org/drawingml/2006/main" xmlns:p="http://schemas.openxmlformats.org/presentationml/2006/main" xmlns:r="http://schemas.openxmlformats.org/officeDocument/2006/relationships">
+<p:sld xmlns:a="http://schemas.openxmlformats.org/drawingml/2006/main" xmlns:r="http://schemas.openxmlformats.org/officeDocument/2006/relationships" xmlns:p="http://schemas.openxmlformats.org/presentationml/2006/main">
   <p:cSld>
     <p:spTree>
       <p:nvGrpSpPr>
@@ -7392,6 +7363,8 @@
         <p:txBody>
           <a:bodyPr/>
           <a:lstStyle/>
+          <a:p/>
+          <a:p/>
           <a:p/>
           <a:p/>
           <a:p/>
@@ -7450,6 +7423,11 @@
               </a:rPr>
               <a:t>Copyright © 2021 by Elephant Scale, All Rights Reserved</a:t>
             </a:r>
+            <a:endParaRPr sz="800">
+              <a:solidFill>
+                <a:srgbClr val="000000"/>
+              </a:solidFill>
+            </a:endParaRPr>
           </a:p>
         </p:txBody>
       </p:sp>
@@ -7462,14 +7440,14 @@
           <p:nvPr/>
         </p:nvPicPr>
         <p:blipFill>
-          <a:blip r:embed="rId2"/>
+          <a:blip r:embed="rId1"/>
           <a:stretch>
             <a:fillRect/>
           </a:stretch>
         </p:blipFill>
         <p:spPr>
           <a:xfrm>
-            <a:off x="704088" y="914400"/>
+            <a:off x="723773" y="1101090"/>
             <a:ext cx="3987800" cy="2044700"/>
           </a:xfrm>
           <a:prstGeom prst="rect">
@@ -7486,7 +7464,7 @@
 </file>
 
 <file path=ppt/slides/slide34.xml><?xml version="1.0" encoding="utf-8"?>
-<p:sld xmlns:a="http://schemas.openxmlformats.org/drawingml/2006/main" xmlns:p="http://schemas.openxmlformats.org/presentationml/2006/main" xmlns:r="http://schemas.openxmlformats.org/officeDocument/2006/relationships">
+<p:sld xmlns:a="http://schemas.openxmlformats.org/drawingml/2006/main" xmlns:r="http://schemas.openxmlformats.org/officeDocument/2006/relationships" xmlns:p="http://schemas.openxmlformats.org/presentationml/2006/main">
   <p:cSld>
     <p:spTree>
       <p:nvGrpSpPr>
@@ -7592,6 +7570,11 @@
               </a:rPr>
               <a:t>Copyright © 2021 by Elephant Scale, All Rights Reserved</a:t>
             </a:r>
+            <a:endParaRPr sz="800">
+              <a:solidFill>
+                <a:srgbClr val="000000"/>
+              </a:solidFill>
+            </a:endParaRPr>
           </a:p>
         </p:txBody>
       </p:sp>
@@ -7604,7 +7587,7 @@
 </file>
 
 <file path=ppt/slides/slide35.xml><?xml version="1.0" encoding="utf-8"?>
-<p:sld xmlns:a="http://schemas.openxmlformats.org/drawingml/2006/main" xmlns:p="http://schemas.openxmlformats.org/presentationml/2006/main" xmlns:r="http://schemas.openxmlformats.org/officeDocument/2006/relationships">
+<p:sld xmlns:a="http://schemas.openxmlformats.org/drawingml/2006/main" xmlns:r="http://schemas.openxmlformats.org/officeDocument/2006/relationships" xmlns:p="http://schemas.openxmlformats.org/presentationml/2006/main">
   <p:cSld>
     <p:spTree>
       <p:nvGrpSpPr>
@@ -7709,6 +7692,11 @@
               </a:rPr>
               <a:t>Copyright © 2021 by Elephant Scale, All Rights Reserved</a:t>
             </a:r>
+            <a:endParaRPr sz="800">
+              <a:solidFill>
+                <a:srgbClr val="000000"/>
+              </a:solidFill>
+            </a:endParaRPr>
           </a:p>
         </p:txBody>
       </p:sp>
@@ -7721,7 +7709,7 @@
           <p:nvPr/>
         </p:nvPicPr>
         <p:blipFill>
-          <a:blip r:embed="rId2"/>
+          <a:blip r:embed="rId1"/>
           <a:stretch>
             <a:fillRect/>
           </a:stretch>
@@ -7745,7 +7733,7 @@
 </file>
 
 <file path=ppt/slides/slide36.xml><?xml version="1.0" encoding="utf-8"?>
-<p:sld xmlns:a="http://schemas.openxmlformats.org/drawingml/2006/main" xmlns:p="http://schemas.openxmlformats.org/presentationml/2006/main" xmlns:r="http://schemas.openxmlformats.org/officeDocument/2006/relationships">
+<p:sld xmlns:a="http://schemas.openxmlformats.org/drawingml/2006/main" xmlns:r="http://schemas.openxmlformats.org/officeDocument/2006/relationships" xmlns:p="http://schemas.openxmlformats.org/presentationml/2006/main">
   <p:cSld>
     <p:spTree>
       <p:nvGrpSpPr>
@@ -7853,6 +7841,11 @@
               </a:rPr>
               <a:t>Copyright © 2021 by Elephant Scale, All Rights Reserved</a:t>
             </a:r>
+            <a:endParaRPr sz="800">
+              <a:solidFill>
+                <a:srgbClr val="000000"/>
+              </a:solidFill>
+            </a:endParaRPr>
           </a:p>
         </p:txBody>
       </p:sp>
@@ -7865,15 +7858,15 @@
           <p:nvPr/>
         </p:nvPicPr>
         <p:blipFill>
-          <a:blip r:embed="rId2"/>
+          <a:blip r:embed="rId1"/>
           <a:stretch>
             <a:fillRect/>
           </a:stretch>
         </p:blipFill>
         <p:spPr>
           <a:xfrm>
-            <a:off x="704088" y="914400"/>
-            <a:ext cx="2279904" cy="865632"/>
+            <a:off x="704215" y="914400"/>
+            <a:ext cx="8069580" cy="3063875"/>
           </a:xfrm>
           <a:prstGeom prst="rect">
             <a:avLst/>
@@ -7889,7 +7882,7 @@
 </file>
 
 <file path=ppt/slides/slide37.xml><?xml version="1.0" encoding="utf-8"?>
-<p:sld xmlns:a="http://schemas.openxmlformats.org/drawingml/2006/main" xmlns:p="http://schemas.openxmlformats.org/presentationml/2006/main" xmlns:r="http://schemas.openxmlformats.org/officeDocument/2006/relationships">
+<p:sld xmlns:a="http://schemas.openxmlformats.org/drawingml/2006/main" xmlns:r="http://schemas.openxmlformats.org/officeDocument/2006/relationships" xmlns:p="http://schemas.openxmlformats.org/presentationml/2006/main">
   <p:cSld>
     <p:spTree>
       <p:nvGrpSpPr>
@@ -8010,6 +8003,11 @@
               </a:rPr>
               <a:t>Copyright © 2021 by Elephant Scale, All Rights Reserved</a:t>
             </a:r>
+            <a:endParaRPr sz="800">
+              <a:solidFill>
+                <a:srgbClr val="000000"/>
+              </a:solidFill>
+            </a:endParaRPr>
           </a:p>
         </p:txBody>
       </p:sp>
@@ -8022,7 +8020,7 @@
 </file>
 
 <file path=ppt/slides/slide38.xml><?xml version="1.0" encoding="utf-8"?>
-<p:sld xmlns:a="http://schemas.openxmlformats.org/drawingml/2006/main" xmlns:p="http://schemas.openxmlformats.org/presentationml/2006/main" xmlns:r="http://schemas.openxmlformats.org/officeDocument/2006/relationships">
+<p:sld xmlns:a="http://schemas.openxmlformats.org/drawingml/2006/main" xmlns:r="http://schemas.openxmlformats.org/officeDocument/2006/relationships" xmlns:p="http://schemas.openxmlformats.org/presentationml/2006/main">
   <p:cSld>
     <p:spTree>
       <p:nvGrpSpPr>
@@ -8112,6 +8110,11 @@
               </a:rPr>
               <a:t>Copyright © 2021 by Elephant Scale, All Rights Reserved</a:t>
             </a:r>
+            <a:endParaRPr sz="800">
+              <a:solidFill>
+                <a:srgbClr val="000000"/>
+              </a:solidFill>
+            </a:endParaRPr>
           </a:p>
         </p:txBody>
       </p:sp>
@@ -8124,7 +8127,7 @@
           <p:nvPr/>
         </p:nvPicPr>
         <p:blipFill>
-          <a:blip r:embed="rId2"/>
+          <a:blip r:embed="rId1"/>
           <a:stretch>
             <a:fillRect/>
           </a:stretch>
@@ -8148,7 +8151,7 @@
 </file>
 
 <file path=ppt/slides/slide39.xml><?xml version="1.0" encoding="utf-8"?>
-<p:sld xmlns:a="http://schemas.openxmlformats.org/drawingml/2006/main" xmlns:p="http://schemas.openxmlformats.org/presentationml/2006/main" xmlns:r="http://schemas.openxmlformats.org/officeDocument/2006/relationships">
+<p:sld xmlns:a="http://schemas.openxmlformats.org/drawingml/2006/main" xmlns:r="http://schemas.openxmlformats.org/officeDocument/2006/relationships" xmlns:p="http://schemas.openxmlformats.org/presentationml/2006/main">
   <p:cSld>
     <p:spTree>
       <p:nvGrpSpPr>
@@ -8275,6 +8278,11 @@
               </a:rPr>
               <a:t>Copyright © 2021 by Elephant Scale, All Rights Reserved</a:t>
             </a:r>
+            <a:endParaRPr sz="800">
+              <a:solidFill>
+                <a:srgbClr val="000000"/>
+              </a:solidFill>
+            </a:endParaRPr>
           </a:p>
         </p:txBody>
       </p:sp>
@@ -8287,7 +8295,7 @@
 </file>
 
 <file path=ppt/slides/slide4.xml><?xml version="1.0" encoding="utf-8"?>
-<p:sld xmlns:a="http://schemas.openxmlformats.org/drawingml/2006/main" xmlns:p="http://schemas.openxmlformats.org/presentationml/2006/main" xmlns:r="http://schemas.openxmlformats.org/officeDocument/2006/relationships">
+<p:sld xmlns:a="http://schemas.openxmlformats.org/drawingml/2006/main" xmlns:r="http://schemas.openxmlformats.org/officeDocument/2006/relationships" xmlns:p="http://schemas.openxmlformats.org/presentationml/2006/main">
   <p:cSld>
     <p:spTree>
       <p:nvGrpSpPr>
@@ -8397,6 +8405,7 @@
               <a:rPr i="1"/>
               <a:t> Limited time promotion: claim your $100 discount on your next Amazon purchase!!</a:t>
             </a:r>
+            <a:endParaRPr i="1"/>
           </a:p>
           <a:p>
             <a:pPr lvl="1"/>
@@ -8436,6 +8445,11 @@
               </a:rPr>
               <a:t>Copyright © 2021 by Elephant Scale, All Rights Reserved</a:t>
             </a:r>
+            <a:endParaRPr sz="800">
+              <a:solidFill>
+                <a:srgbClr val="000000"/>
+              </a:solidFill>
+            </a:endParaRPr>
           </a:p>
         </p:txBody>
       </p:sp>
@@ -8448,7 +8462,7 @@
 </file>
 
 <file path=ppt/slides/slide40.xml><?xml version="1.0" encoding="utf-8"?>
-<p:sld xmlns:a="http://schemas.openxmlformats.org/drawingml/2006/main" xmlns:p="http://schemas.openxmlformats.org/presentationml/2006/main" xmlns:r="http://schemas.openxmlformats.org/officeDocument/2006/relationships">
+<p:sld xmlns:a="http://schemas.openxmlformats.org/drawingml/2006/main" xmlns:r="http://schemas.openxmlformats.org/officeDocument/2006/relationships" xmlns:p="http://schemas.openxmlformats.org/presentationml/2006/main">
   <p:cSld>
     <p:spTree>
       <p:nvGrpSpPr>
@@ -8492,6 +8506,9 @@
         <p:txBody>
           <a:bodyPr/>
           <a:lstStyle/>
+          <a:p/>
+          <a:p/>
+          <a:p/>
           <a:p/>
           <a:p/>
           <a:p/>
@@ -8565,6 +8582,11 @@
               </a:rPr>
               <a:t>Copyright © 2021 by Elephant Scale, All Rights Reserved</a:t>
             </a:r>
+            <a:endParaRPr sz="800">
+              <a:solidFill>
+                <a:srgbClr val="000000"/>
+              </a:solidFill>
+            </a:endParaRPr>
           </a:p>
         </p:txBody>
       </p:sp>
@@ -8577,15 +8599,15 @@
           <p:nvPr/>
         </p:nvPicPr>
         <p:blipFill>
-          <a:blip r:embed="rId2"/>
+          <a:blip r:embed="rId1"/>
           <a:stretch>
             <a:fillRect/>
           </a:stretch>
         </p:blipFill>
         <p:spPr>
           <a:xfrm>
-            <a:off x="704088" y="914400"/>
-            <a:ext cx="4711700" cy="1727200"/>
+            <a:off x="704215" y="914400"/>
+            <a:ext cx="6681470" cy="2449195"/>
           </a:xfrm>
           <a:prstGeom prst="rect">
             <a:avLst/>
@@ -8601,7 +8623,7 @@
 </file>
 
 <file path=ppt/slides/slide41.xml><?xml version="1.0" encoding="utf-8"?>
-<p:sld xmlns:a="http://schemas.openxmlformats.org/drawingml/2006/main" xmlns:p="http://schemas.openxmlformats.org/presentationml/2006/main" xmlns:r="http://schemas.openxmlformats.org/officeDocument/2006/relationships">
+<p:sld xmlns:a="http://schemas.openxmlformats.org/drawingml/2006/main" xmlns:r="http://schemas.openxmlformats.org/officeDocument/2006/relationships" xmlns:p="http://schemas.openxmlformats.org/presentationml/2006/main">
   <p:cSld>
     <p:spTree>
       <p:nvGrpSpPr>
@@ -8691,6 +8713,11 @@
               </a:rPr>
               <a:t>Copyright © 2021 by Elephant Scale, All Rights Reserved</a:t>
             </a:r>
+            <a:endParaRPr sz="800">
+              <a:solidFill>
+                <a:srgbClr val="000000"/>
+              </a:solidFill>
+            </a:endParaRPr>
           </a:p>
         </p:txBody>
       </p:sp>
@@ -8703,7 +8730,7 @@
           <p:nvPr/>
         </p:nvPicPr>
         <p:blipFill>
-          <a:blip r:embed="rId2"/>
+          <a:blip r:embed="rId1"/>
           <a:stretch>
             <a:fillRect/>
           </a:stretch>
@@ -8727,7 +8754,7 @@
 </file>
 
 <file path=ppt/slides/slide42.xml><?xml version="1.0" encoding="utf-8"?>
-<p:sld xmlns:a="http://schemas.openxmlformats.org/drawingml/2006/main" xmlns:p="http://schemas.openxmlformats.org/presentationml/2006/main" xmlns:r="http://schemas.openxmlformats.org/officeDocument/2006/relationships">
+<p:sld xmlns:a="http://schemas.openxmlformats.org/drawingml/2006/main" xmlns:r="http://schemas.openxmlformats.org/officeDocument/2006/relationships" xmlns:p="http://schemas.openxmlformats.org/presentationml/2006/main">
   <p:cSld>
     <p:spTree>
       <p:nvGrpSpPr>
@@ -8849,6 +8876,11 @@
               </a:rPr>
               <a:t>Copyright © 2021 by Elephant Scale, All Rights Reserved</a:t>
             </a:r>
+            <a:endParaRPr sz="800">
+              <a:solidFill>
+                <a:srgbClr val="000000"/>
+              </a:solidFill>
+            </a:endParaRPr>
           </a:p>
         </p:txBody>
       </p:sp>
@@ -8861,7 +8893,7 @@
 </file>
 
 <file path=ppt/slides/slide43.xml><?xml version="1.0" encoding="utf-8"?>
-<p:sld xmlns:a="http://schemas.openxmlformats.org/drawingml/2006/main" xmlns:p="http://schemas.openxmlformats.org/presentationml/2006/main" xmlns:r="http://schemas.openxmlformats.org/officeDocument/2006/relationships">
+<p:sld xmlns:a="http://schemas.openxmlformats.org/drawingml/2006/main" xmlns:r="http://schemas.openxmlformats.org/officeDocument/2006/relationships" xmlns:p="http://schemas.openxmlformats.org/presentationml/2006/main">
   <p:cSld>
     <p:spTree>
       <p:nvGrpSpPr>
@@ -8988,6 +9020,11 @@
               </a:rPr>
               <a:t>Copyright © 2021 by Elephant Scale, All Rights Reserved</a:t>
             </a:r>
+            <a:endParaRPr sz="800">
+              <a:solidFill>
+                <a:srgbClr val="000000"/>
+              </a:solidFill>
+            </a:endParaRPr>
           </a:p>
         </p:txBody>
       </p:sp>
@@ -9000,7 +9037,7 @@
 </file>
 
 <file path=ppt/slides/slide44.xml><?xml version="1.0" encoding="utf-8"?>
-<p:sld xmlns:a="http://schemas.openxmlformats.org/drawingml/2006/main" xmlns:p="http://schemas.openxmlformats.org/presentationml/2006/main" xmlns:r="http://schemas.openxmlformats.org/officeDocument/2006/relationships">
+<p:sld xmlns:a="http://schemas.openxmlformats.org/drawingml/2006/main" xmlns:r="http://schemas.openxmlformats.org/officeDocument/2006/relationships" xmlns:p="http://schemas.openxmlformats.org/presentationml/2006/main">
   <p:cSld>
     <p:spTree>
       <p:nvGrpSpPr>
@@ -9117,6 +9154,11 @@
               </a:rPr>
               <a:t>Copyright © 2021 by Elephant Scale, All Rights Reserved</a:t>
             </a:r>
+            <a:endParaRPr sz="800">
+              <a:solidFill>
+                <a:srgbClr val="000000"/>
+              </a:solidFill>
+            </a:endParaRPr>
           </a:p>
         </p:txBody>
       </p:sp>
@@ -9129,15 +9171,15 @@
           <p:nvPr/>
         </p:nvPicPr>
         <p:blipFill>
-          <a:blip r:embed="rId2"/>
+          <a:blip r:embed="rId1"/>
           <a:stretch>
             <a:fillRect/>
           </a:stretch>
         </p:blipFill>
         <p:spPr>
           <a:xfrm>
-            <a:off x="704088" y="5303520"/>
-            <a:ext cx="2777631" cy="1517904"/>
+            <a:off x="704215" y="5303520"/>
+            <a:ext cx="4406265" cy="2407920"/>
           </a:xfrm>
           <a:prstGeom prst="rect">
             <a:avLst/>
@@ -9153,7 +9195,7 @@
 </file>
 
 <file path=ppt/slides/slide45.xml><?xml version="1.0" encoding="utf-8"?>
-<p:sld xmlns:a="http://schemas.openxmlformats.org/drawingml/2006/main" xmlns:p="http://schemas.openxmlformats.org/presentationml/2006/main" xmlns:r="http://schemas.openxmlformats.org/officeDocument/2006/relationships">
+<p:sld xmlns:a="http://schemas.openxmlformats.org/drawingml/2006/main" xmlns:r="http://schemas.openxmlformats.org/officeDocument/2006/relationships" xmlns:p="http://schemas.openxmlformats.org/presentationml/2006/main">
   <p:cSld>
     <p:spTree>
       <p:nvGrpSpPr>
@@ -9254,6 +9296,11 @@
               </a:rPr>
               <a:t>Copyright © 2021 by Elephant Scale, All Rights Reserved</a:t>
             </a:r>
+            <a:endParaRPr sz="800">
+              <a:solidFill>
+                <a:srgbClr val="000000"/>
+              </a:solidFill>
+            </a:endParaRPr>
           </a:p>
         </p:txBody>
       </p:sp>
@@ -9266,7 +9313,7 @@
 </file>
 
 <file path=ppt/slides/slide46.xml><?xml version="1.0" encoding="utf-8"?>
-<p:sld xmlns:a="http://schemas.openxmlformats.org/drawingml/2006/main" xmlns:p="http://schemas.openxmlformats.org/presentationml/2006/main" xmlns:r="http://schemas.openxmlformats.org/officeDocument/2006/relationships">
+<p:sld xmlns:a="http://schemas.openxmlformats.org/drawingml/2006/main" xmlns:r="http://schemas.openxmlformats.org/officeDocument/2006/relationships" xmlns:p="http://schemas.openxmlformats.org/presentationml/2006/main">
   <p:cSld>
     <p:spTree>
       <p:nvGrpSpPr>
@@ -9371,6 +9418,11 @@
               </a:rPr>
               <a:t>Copyright © 2021 by Elephant Scale, All Rights Reserved</a:t>
             </a:r>
+            <a:endParaRPr sz="800">
+              <a:solidFill>
+                <a:srgbClr val="000000"/>
+              </a:solidFill>
+            </a:endParaRPr>
           </a:p>
         </p:txBody>
       </p:sp>
@@ -9383,15 +9435,15 @@
           <p:nvPr/>
         </p:nvPicPr>
         <p:blipFill>
-          <a:blip r:embed="rId2"/>
+          <a:blip r:embed="rId1"/>
           <a:stretch>
             <a:fillRect/>
           </a:stretch>
         </p:blipFill>
         <p:spPr>
           <a:xfrm>
-            <a:off x="704088" y="914400"/>
-            <a:ext cx="7507224" cy="4279118"/>
+            <a:off x="704215" y="914400"/>
+            <a:ext cx="6199505" cy="3533775"/>
           </a:xfrm>
           <a:prstGeom prst="rect">
             <a:avLst/>
@@ -9407,7 +9459,7 @@
 </file>
 
 <file path=ppt/slides/slide47.xml><?xml version="1.0" encoding="utf-8"?>
-<p:sld xmlns:a="http://schemas.openxmlformats.org/drawingml/2006/main" xmlns:p="http://schemas.openxmlformats.org/presentationml/2006/main" xmlns:r="http://schemas.openxmlformats.org/officeDocument/2006/relationships">
+<p:sld xmlns:a="http://schemas.openxmlformats.org/drawingml/2006/main" xmlns:r="http://schemas.openxmlformats.org/officeDocument/2006/relationships" xmlns:p="http://schemas.openxmlformats.org/presentationml/2006/main">
   <p:cSld>
     <p:spTree>
       <p:nvGrpSpPr>
@@ -9534,6 +9586,11 @@
               </a:rPr>
               <a:t>Copyright © 2021 by Elephant Scale, All Rights Reserved</a:t>
             </a:r>
+            <a:endParaRPr sz="800">
+              <a:solidFill>
+                <a:srgbClr val="000000"/>
+              </a:solidFill>
+            </a:endParaRPr>
           </a:p>
         </p:txBody>
       </p:sp>
@@ -9546,7 +9603,7 @@
 </file>
 
 <file path=ppt/slides/slide48.xml><?xml version="1.0" encoding="utf-8"?>
-<p:sld xmlns:a="http://schemas.openxmlformats.org/drawingml/2006/main" xmlns:p="http://schemas.openxmlformats.org/presentationml/2006/main" xmlns:r="http://schemas.openxmlformats.org/officeDocument/2006/relationships">
+<p:sld xmlns:a="http://schemas.openxmlformats.org/drawingml/2006/main" xmlns:r="http://schemas.openxmlformats.org/officeDocument/2006/relationships" xmlns:p="http://schemas.openxmlformats.org/presentationml/2006/main">
   <p:cSld>
     <p:spTree>
       <p:nvGrpSpPr>
@@ -9679,6 +9736,11 @@
               </a:rPr>
               <a:t>Copyright © 2021 by Elephant Scale, All Rights Reserved</a:t>
             </a:r>
+            <a:endParaRPr sz="800">
+              <a:solidFill>
+                <a:srgbClr val="000000"/>
+              </a:solidFill>
+            </a:endParaRPr>
           </a:p>
         </p:txBody>
       </p:sp>
@@ -9691,7 +9753,7 @@
 </file>
 
 <file path=ppt/slides/slide49.xml><?xml version="1.0" encoding="utf-8"?>
-<p:sld xmlns:a="http://schemas.openxmlformats.org/drawingml/2006/main" xmlns:p="http://schemas.openxmlformats.org/presentationml/2006/main" xmlns:r="http://schemas.openxmlformats.org/officeDocument/2006/relationships">
+<p:sld xmlns:a="http://schemas.openxmlformats.org/drawingml/2006/main" xmlns:r="http://schemas.openxmlformats.org/officeDocument/2006/relationships" xmlns:p="http://schemas.openxmlformats.org/presentationml/2006/main">
   <p:cSld>
     <p:spTree>
       <p:nvGrpSpPr>
@@ -9807,6 +9869,11 @@
               </a:rPr>
               <a:t>Copyright © 2021 by Elephant Scale, All Rights Reserved</a:t>
             </a:r>
+            <a:endParaRPr sz="800">
+              <a:solidFill>
+                <a:srgbClr val="000000"/>
+              </a:solidFill>
+            </a:endParaRPr>
           </a:p>
         </p:txBody>
       </p:sp>
@@ -9819,7 +9886,7 @@
 </file>
 
 <file path=ppt/slides/slide5.xml><?xml version="1.0" encoding="utf-8"?>
-<p:sld xmlns:a="http://schemas.openxmlformats.org/drawingml/2006/main" xmlns:p="http://schemas.openxmlformats.org/presentationml/2006/main" xmlns:r="http://schemas.openxmlformats.org/officeDocument/2006/relationships">
+<p:sld xmlns:a="http://schemas.openxmlformats.org/drawingml/2006/main" xmlns:r="http://schemas.openxmlformats.org/officeDocument/2006/relationships" xmlns:p="http://schemas.openxmlformats.org/presentationml/2006/main">
   <p:cSld>
     <p:spTree>
       <p:nvGrpSpPr>
@@ -9925,6 +9992,11 @@
               </a:rPr>
               <a:t>Copyright © 2021 by Elephant Scale, All Rights Reserved</a:t>
             </a:r>
+            <a:endParaRPr sz="800">
+              <a:solidFill>
+                <a:srgbClr val="000000"/>
+              </a:solidFill>
+            </a:endParaRPr>
           </a:p>
         </p:txBody>
       </p:sp>
@@ -9937,7 +10009,7 @@
 </file>
 
 <file path=ppt/slides/slide50.xml><?xml version="1.0" encoding="utf-8"?>
-<p:sld xmlns:a="http://schemas.openxmlformats.org/drawingml/2006/main" xmlns:p="http://schemas.openxmlformats.org/presentationml/2006/main" xmlns:r="http://schemas.openxmlformats.org/officeDocument/2006/relationships">
+<p:sld xmlns:a="http://schemas.openxmlformats.org/drawingml/2006/main" xmlns:r="http://schemas.openxmlformats.org/officeDocument/2006/relationships" xmlns:p="http://schemas.openxmlformats.org/presentationml/2006/main">
   <p:cSld>
     <p:spTree>
       <p:nvGrpSpPr>
@@ -10076,6 +10148,11 @@
               </a:rPr>
               <a:t>Copyright © 2021 by Elephant Scale, All Rights Reserved</a:t>
             </a:r>
+            <a:endParaRPr sz="800">
+              <a:solidFill>
+                <a:srgbClr val="000000"/>
+              </a:solidFill>
+            </a:endParaRPr>
           </a:p>
         </p:txBody>
       </p:sp>
@@ -10088,7 +10165,7 @@
 </file>
 
 <file path=ppt/slides/slide51.xml><?xml version="1.0" encoding="utf-8"?>
-<p:sld xmlns:a="http://schemas.openxmlformats.org/drawingml/2006/main" xmlns:p="http://schemas.openxmlformats.org/presentationml/2006/main" xmlns:r="http://schemas.openxmlformats.org/officeDocument/2006/relationships">
+<p:sld xmlns:a="http://schemas.openxmlformats.org/drawingml/2006/main" xmlns:r="http://schemas.openxmlformats.org/officeDocument/2006/relationships" xmlns:p="http://schemas.openxmlformats.org/presentationml/2006/main">
   <p:cSld>
     <p:spTree>
       <p:nvGrpSpPr>
@@ -10205,6 +10282,11 @@
               </a:rPr>
               <a:t>Copyright © 2021 by Elephant Scale, All Rights Reserved</a:t>
             </a:r>
+            <a:endParaRPr sz="800">
+              <a:solidFill>
+                <a:srgbClr val="000000"/>
+              </a:solidFill>
+            </a:endParaRPr>
           </a:p>
         </p:txBody>
       </p:sp>
@@ -10217,7 +10299,7 @@
 </file>
 
 <file path=ppt/slides/slide52.xml><?xml version="1.0" encoding="utf-8"?>
-<p:sld xmlns:a="http://schemas.openxmlformats.org/drawingml/2006/main" xmlns:p="http://schemas.openxmlformats.org/presentationml/2006/main" xmlns:r="http://schemas.openxmlformats.org/officeDocument/2006/relationships">
+<p:sld xmlns:a="http://schemas.openxmlformats.org/drawingml/2006/main" xmlns:r="http://schemas.openxmlformats.org/officeDocument/2006/relationships" xmlns:p="http://schemas.openxmlformats.org/presentationml/2006/main">
   <p:cSld>
     <p:spTree>
       <p:nvGrpSpPr>
@@ -10331,6 +10413,11 @@
               </a:rPr>
               <a:t>Copyright © 2021 by Elephant Scale, All Rights Reserved</a:t>
             </a:r>
+            <a:endParaRPr sz="800">
+              <a:solidFill>
+                <a:srgbClr val="000000"/>
+              </a:solidFill>
+            </a:endParaRPr>
           </a:p>
         </p:txBody>
       </p:sp>
@@ -10343,7 +10430,7 @@
 </file>
 
 <file path=ppt/slides/slide53.xml><?xml version="1.0" encoding="utf-8"?>
-<p:sld xmlns:a="http://schemas.openxmlformats.org/drawingml/2006/main" xmlns:p="http://schemas.openxmlformats.org/presentationml/2006/main" xmlns:r="http://schemas.openxmlformats.org/officeDocument/2006/relationships">
+<p:sld xmlns:a="http://schemas.openxmlformats.org/drawingml/2006/main" xmlns:r="http://schemas.openxmlformats.org/officeDocument/2006/relationships" xmlns:p="http://schemas.openxmlformats.org/presentationml/2006/main">
   <p:cSld>
     <p:spTree>
       <p:nvGrpSpPr>
@@ -10433,6 +10520,11 @@
               </a:rPr>
               <a:t>Copyright © 2021 by Elephant Scale, All Rights Reserved</a:t>
             </a:r>
+            <a:endParaRPr sz="800">
+              <a:solidFill>
+                <a:srgbClr val="000000"/>
+              </a:solidFill>
+            </a:endParaRPr>
           </a:p>
         </p:txBody>
       </p:sp>
@@ -10445,7 +10537,7 @@
           <p:nvPr/>
         </p:nvPicPr>
         <p:blipFill>
-          <a:blip r:embed="rId2"/>
+          <a:blip r:embed="rId1"/>
           <a:stretch>
             <a:fillRect/>
           </a:stretch>
@@ -10469,7 +10561,7 @@
 </file>
 
 <file path=ppt/slides/slide54.xml><?xml version="1.0" encoding="utf-8"?>
-<p:sld xmlns:a="http://schemas.openxmlformats.org/drawingml/2006/main" xmlns:p="http://schemas.openxmlformats.org/presentationml/2006/main" xmlns:r="http://schemas.openxmlformats.org/officeDocument/2006/relationships">
+<p:sld xmlns:a="http://schemas.openxmlformats.org/drawingml/2006/main" xmlns:r="http://schemas.openxmlformats.org/officeDocument/2006/relationships" xmlns:p="http://schemas.openxmlformats.org/presentationml/2006/main">
   <p:cSld>
     <p:spTree>
       <p:nvGrpSpPr>
@@ -10520,7 +10612,7 @@
           </a:p>
           <a:p>
             <a:r>
-              <a:t> E.g. guessing that the administrator account has account id "1" in the previous slide</a:t>
+              <a:t> Eg. guessing that the administrator account has account id "1" in the previous slide</a:t>
             </a:r>
           </a:p>
           <a:p>
@@ -10571,6 +10663,11 @@
               </a:rPr>
               <a:t>Copyright © 2021 by Elephant Scale, All Rights Reserved</a:t>
             </a:r>
+            <a:endParaRPr sz="800">
+              <a:solidFill>
+                <a:srgbClr val="000000"/>
+              </a:solidFill>
+            </a:endParaRPr>
           </a:p>
         </p:txBody>
       </p:sp>
@@ -10583,7 +10680,7 @@
           <p:nvPr/>
         </p:nvPicPr>
         <p:blipFill>
-          <a:blip r:embed="rId2"/>
+          <a:blip r:embed="rId1"/>
           <a:stretch>
             <a:fillRect/>
           </a:stretch>
@@ -10607,7 +10704,7 @@
 </file>
 
 <file path=ppt/slides/slide55.xml><?xml version="1.0" encoding="utf-8"?>
-<p:sld xmlns:a="http://schemas.openxmlformats.org/drawingml/2006/main" xmlns:p="http://schemas.openxmlformats.org/presentationml/2006/main" xmlns:r="http://schemas.openxmlformats.org/officeDocument/2006/relationships">
+<p:sld xmlns:a="http://schemas.openxmlformats.org/drawingml/2006/main" xmlns:r="http://schemas.openxmlformats.org/officeDocument/2006/relationships" xmlns:p="http://schemas.openxmlformats.org/presentationml/2006/main">
   <p:cSld>
     <p:spTree>
       <p:nvGrpSpPr>
@@ -10723,6 +10820,11 @@
               </a:rPr>
               <a:t>Copyright © 2021 by Elephant Scale, All Rights Reserved</a:t>
             </a:r>
+            <a:endParaRPr sz="800">
+              <a:solidFill>
+                <a:srgbClr val="000000"/>
+              </a:solidFill>
+            </a:endParaRPr>
           </a:p>
         </p:txBody>
       </p:sp>
@@ -10735,7 +10837,7 @@
 </file>
 
 <file path=ppt/slides/slide56.xml><?xml version="1.0" encoding="utf-8"?>
-<p:sld xmlns:a="http://schemas.openxmlformats.org/drawingml/2006/main" xmlns:p="http://schemas.openxmlformats.org/presentationml/2006/main" xmlns:r="http://schemas.openxmlformats.org/officeDocument/2006/relationships">
+<p:sld xmlns:a="http://schemas.openxmlformats.org/drawingml/2006/main" xmlns:r="http://schemas.openxmlformats.org/officeDocument/2006/relationships" xmlns:p="http://schemas.openxmlformats.org/presentationml/2006/main">
   <p:cSld>
     <p:spTree>
       <p:nvGrpSpPr>
@@ -10833,6 +10935,11 @@
               </a:rPr>
               <a:t>Copyright © 2021 by Elephant Scale, All Rights Reserved</a:t>
             </a:r>
+            <a:endParaRPr sz="800">
+              <a:solidFill>
+                <a:srgbClr val="000000"/>
+              </a:solidFill>
+            </a:endParaRPr>
           </a:p>
         </p:txBody>
       </p:sp>
@@ -10845,7 +10952,7 @@
           <p:nvPr/>
         </p:nvPicPr>
         <p:blipFill>
-          <a:blip r:embed="rId2"/>
+          <a:blip r:embed="rId1"/>
           <a:stretch>
             <a:fillRect/>
           </a:stretch>
@@ -10869,7 +10976,7 @@
 </file>
 
 <file path=ppt/slides/slide57.xml><?xml version="1.0" encoding="utf-8"?>
-<p:sld xmlns:a="http://schemas.openxmlformats.org/drawingml/2006/main" xmlns:p="http://schemas.openxmlformats.org/presentationml/2006/main" xmlns:r="http://schemas.openxmlformats.org/officeDocument/2006/relationships">
+<p:sld xmlns:a="http://schemas.openxmlformats.org/drawingml/2006/main" xmlns:r="http://schemas.openxmlformats.org/officeDocument/2006/relationships" xmlns:p="http://schemas.openxmlformats.org/presentationml/2006/main">
   <p:cSld>
     <p:spTree>
       <p:nvGrpSpPr>
@@ -10979,6 +11086,11 @@
               </a:rPr>
               <a:t>Copyright © 2021 by Elephant Scale, All Rights Reserved</a:t>
             </a:r>
+            <a:endParaRPr sz="800">
+              <a:solidFill>
+                <a:srgbClr val="000000"/>
+              </a:solidFill>
+            </a:endParaRPr>
           </a:p>
         </p:txBody>
       </p:sp>
@@ -10991,15 +11103,15 @@
           <p:nvPr/>
         </p:nvPicPr>
         <p:blipFill>
-          <a:blip r:embed="rId2"/>
+          <a:blip r:embed="rId1"/>
           <a:stretch>
             <a:fillRect/>
           </a:stretch>
         </p:blipFill>
         <p:spPr>
           <a:xfrm>
-            <a:off x="0" y="3986783"/>
-            <a:ext cx="10769600" cy="2654300"/>
+            <a:off x="-38100" y="4900295"/>
+            <a:ext cx="9266555" cy="2284095"/>
           </a:xfrm>
           <a:prstGeom prst="rect">
             <a:avLst/>
@@ -11015,7 +11127,7 @@
 </file>
 
 <file path=ppt/slides/slide58.xml><?xml version="1.0" encoding="utf-8"?>
-<p:sld xmlns:a="http://schemas.openxmlformats.org/drawingml/2006/main" xmlns:p="http://schemas.openxmlformats.org/presentationml/2006/main" xmlns:r="http://schemas.openxmlformats.org/officeDocument/2006/relationships">
+<p:sld xmlns:a="http://schemas.openxmlformats.org/drawingml/2006/main" xmlns:r="http://schemas.openxmlformats.org/officeDocument/2006/relationships" xmlns:p="http://schemas.openxmlformats.org/presentationml/2006/main">
   <p:cSld>
     <p:spTree>
       <p:nvGrpSpPr>
@@ -11118,6 +11230,11 @@
               </a:rPr>
               <a:t>Copyright © 2021 by Elephant Scale, All Rights Reserved</a:t>
             </a:r>
+            <a:endParaRPr sz="800">
+              <a:solidFill>
+                <a:srgbClr val="000000"/>
+              </a:solidFill>
+            </a:endParaRPr>
           </a:p>
         </p:txBody>
       </p:sp>
@@ -11130,14 +11247,14 @@
           <p:nvPr/>
         </p:nvPicPr>
         <p:blipFill>
-          <a:blip r:embed="rId2"/>
+          <a:blip r:embed="rId1"/>
           <a:stretch>
             <a:fillRect/>
           </a:stretch>
         </p:blipFill>
         <p:spPr>
           <a:xfrm>
-            <a:off x="0" y="4425696"/>
+            <a:off x="-38100" y="4987036"/>
             <a:ext cx="6197600" cy="520700"/>
           </a:xfrm>
           <a:prstGeom prst="rect">
@@ -11154,7 +11271,7 @@
           <p:nvPr/>
         </p:nvPicPr>
         <p:blipFill>
-          <a:blip r:embed="rId3"/>
+          <a:blip r:embed="rId2"/>
           <a:stretch>
             <a:fillRect/>
           </a:stretch>
@@ -11178,7 +11295,7 @@
 </file>
 
 <file path=ppt/slides/slide59.xml><?xml version="1.0" encoding="utf-8"?>
-<p:sld xmlns:a="http://schemas.openxmlformats.org/drawingml/2006/main" xmlns:p="http://schemas.openxmlformats.org/presentationml/2006/main" xmlns:r="http://schemas.openxmlformats.org/officeDocument/2006/relationships">
+<p:sld xmlns:a="http://schemas.openxmlformats.org/drawingml/2006/main" xmlns:r="http://schemas.openxmlformats.org/officeDocument/2006/relationships" xmlns:p="http://schemas.openxmlformats.org/presentationml/2006/main">
   <p:cSld>
     <p:spTree>
       <p:nvGrpSpPr>
@@ -11293,6 +11410,11 @@
               </a:rPr>
               <a:t>Copyright © 2021 by Elephant Scale, All Rights Reserved</a:t>
             </a:r>
+            <a:endParaRPr sz="800">
+              <a:solidFill>
+                <a:srgbClr val="000000"/>
+              </a:solidFill>
+            </a:endParaRPr>
           </a:p>
         </p:txBody>
       </p:sp>
@@ -11305,7 +11427,7 @@
 </file>
 
 <file path=ppt/slides/slide6.xml><?xml version="1.0" encoding="utf-8"?>
-<p:sld xmlns:a="http://schemas.openxmlformats.org/drawingml/2006/main" xmlns:p="http://schemas.openxmlformats.org/presentationml/2006/main" xmlns:r="http://schemas.openxmlformats.org/officeDocument/2006/relationships">
+<p:sld xmlns:a="http://schemas.openxmlformats.org/drawingml/2006/main" xmlns:r="http://schemas.openxmlformats.org/officeDocument/2006/relationships" xmlns:p="http://schemas.openxmlformats.org/presentationml/2006/main">
   <p:cSld>
     <p:spTree>
       <p:nvGrpSpPr>
@@ -11391,6 +11513,11 @@
               </a:rPr>
               <a:t>Copyright © 2021 by Elephant Scale, All Rights Reserved</a:t>
             </a:r>
+            <a:endParaRPr sz="800">
+              <a:solidFill>
+                <a:srgbClr val="000000"/>
+              </a:solidFill>
+            </a:endParaRPr>
           </a:p>
         </p:txBody>
       </p:sp>
@@ -11403,7 +11530,7 @@
           <p:nvPr/>
         </p:nvPicPr>
         <p:blipFill>
-          <a:blip r:embed="rId2"/>
+          <a:blip r:embed="rId1"/>
           <a:stretch>
             <a:fillRect/>
           </a:stretch>
@@ -11427,7 +11554,7 @@
 </file>
 
 <file path=ppt/slides/slide60.xml><?xml version="1.0" encoding="utf-8"?>
-<p:sld xmlns:a="http://schemas.openxmlformats.org/drawingml/2006/main" xmlns:p="http://schemas.openxmlformats.org/presentationml/2006/main" xmlns:r="http://schemas.openxmlformats.org/officeDocument/2006/relationships">
+<p:sld xmlns:a="http://schemas.openxmlformats.org/drawingml/2006/main" xmlns:r="http://schemas.openxmlformats.org/officeDocument/2006/relationships" xmlns:p="http://schemas.openxmlformats.org/presentationml/2006/main">
   <p:cSld>
     <p:spTree>
       <p:nvGrpSpPr>
@@ -11540,6 +11667,11 @@
               </a:rPr>
               <a:t>Copyright © 2021 by Elephant Scale, All Rights Reserved</a:t>
             </a:r>
+            <a:endParaRPr sz="800">
+              <a:solidFill>
+                <a:srgbClr val="000000"/>
+              </a:solidFill>
+            </a:endParaRPr>
           </a:p>
         </p:txBody>
       </p:sp>
@@ -11552,7 +11684,7 @@
 </file>
 
 <file path=ppt/slides/slide61.xml><?xml version="1.0" encoding="utf-8"?>
-<p:sld xmlns:a="http://schemas.openxmlformats.org/drawingml/2006/main" xmlns:p="http://schemas.openxmlformats.org/presentationml/2006/main" xmlns:r="http://schemas.openxmlformats.org/officeDocument/2006/relationships">
+<p:sld xmlns:a="http://schemas.openxmlformats.org/drawingml/2006/main" xmlns:r="http://schemas.openxmlformats.org/officeDocument/2006/relationships" xmlns:p="http://schemas.openxmlformats.org/presentationml/2006/main">
   <p:cSld>
     <p:spTree>
       <p:nvGrpSpPr>
@@ -11668,6 +11800,11 @@
               </a:rPr>
               <a:t>Copyright © 2021 by Elephant Scale, All Rights Reserved</a:t>
             </a:r>
+            <a:endParaRPr sz="800">
+              <a:solidFill>
+                <a:srgbClr val="000000"/>
+              </a:solidFill>
+            </a:endParaRPr>
           </a:p>
         </p:txBody>
       </p:sp>
@@ -11680,14 +11817,14 @@
           <p:nvPr/>
         </p:nvPicPr>
         <p:blipFill>
-          <a:blip r:embed="rId2"/>
+          <a:blip r:embed="rId1"/>
           <a:stretch>
             <a:fillRect/>
           </a:stretch>
         </p:blipFill>
         <p:spPr>
           <a:xfrm>
-            <a:off x="0" y="5303520"/>
+            <a:off x="-38100" y="5901690"/>
             <a:ext cx="8915400" cy="368479"/>
           </a:xfrm>
           <a:prstGeom prst="rect">
@@ -11704,7 +11841,7 @@
           <p:nvPr/>
         </p:nvPicPr>
         <p:blipFill>
-          <a:blip r:embed="rId3"/>
+          <a:blip r:embed="rId2"/>
           <a:stretch>
             <a:fillRect/>
           </a:stretch>
@@ -11728,7 +11865,7 @@
 </file>
 
 <file path=ppt/slides/slide62.xml><?xml version="1.0" encoding="utf-8"?>
-<p:sld xmlns:a="http://schemas.openxmlformats.org/drawingml/2006/main" xmlns:p="http://schemas.openxmlformats.org/presentationml/2006/main" xmlns:r="http://schemas.openxmlformats.org/officeDocument/2006/relationships">
+<p:sld xmlns:a="http://schemas.openxmlformats.org/drawingml/2006/main" xmlns:r="http://schemas.openxmlformats.org/officeDocument/2006/relationships" xmlns:p="http://schemas.openxmlformats.org/presentationml/2006/main">
   <p:cSld>
     <p:spTree>
       <p:nvGrpSpPr>
@@ -11832,6 +11969,11 @@
               </a:rPr>
               <a:t>Copyright © 2021 by Elephant Scale, All Rights Reserved</a:t>
             </a:r>
+            <a:endParaRPr sz="800">
+              <a:solidFill>
+                <a:srgbClr val="000000"/>
+              </a:solidFill>
+            </a:endParaRPr>
           </a:p>
         </p:txBody>
       </p:sp>
@@ -11844,7 +11986,7 @@
           <p:nvPr/>
         </p:nvPicPr>
         <p:blipFill>
-          <a:blip r:embed="rId2"/>
+          <a:blip r:embed="rId1"/>
           <a:stretch>
             <a:fillRect/>
           </a:stretch>
@@ -11868,7 +12010,7 @@
 </file>
 
 <file path=ppt/slides/slide63.xml><?xml version="1.0" encoding="utf-8"?>
-<p:sld xmlns:a="http://schemas.openxmlformats.org/drawingml/2006/main" xmlns:p="http://schemas.openxmlformats.org/presentationml/2006/main" xmlns:r="http://schemas.openxmlformats.org/officeDocument/2006/relationships">
+<p:sld xmlns:a="http://schemas.openxmlformats.org/drawingml/2006/main" xmlns:r="http://schemas.openxmlformats.org/officeDocument/2006/relationships" xmlns:p="http://schemas.openxmlformats.org/presentationml/2006/main">
   <p:cSld>
     <p:spTree>
       <p:nvGrpSpPr>
@@ -11962,6 +12104,11 @@
               </a:rPr>
               <a:t>Copyright © 2021 by Elephant Scale, All Rights Reserved</a:t>
             </a:r>
+            <a:endParaRPr sz="800">
+              <a:solidFill>
+                <a:srgbClr val="000000"/>
+              </a:solidFill>
+            </a:endParaRPr>
           </a:p>
         </p:txBody>
       </p:sp>
@@ -11974,14 +12121,14 @@
           <p:nvPr/>
         </p:nvPicPr>
         <p:blipFill>
-          <a:blip r:embed="rId2"/>
+          <a:blip r:embed="rId1"/>
           <a:stretch>
             <a:fillRect/>
           </a:stretch>
         </p:blipFill>
         <p:spPr>
           <a:xfrm>
-            <a:off x="704088" y="1353312"/>
+            <a:off x="704088" y="1787017"/>
             <a:ext cx="7507224" cy="3778846"/>
           </a:xfrm>
           <a:prstGeom prst="rect">
@@ -11998,7 +12145,7 @@
 </file>
 
 <file path=ppt/slides/slide7.xml><?xml version="1.0" encoding="utf-8"?>
-<p:sld xmlns:a="http://schemas.openxmlformats.org/drawingml/2006/main" xmlns:p="http://schemas.openxmlformats.org/presentationml/2006/main" xmlns:r="http://schemas.openxmlformats.org/officeDocument/2006/relationships">
+<p:sld xmlns:a="http://schemas.openxmlformats.org/drawingml/2006/main" xmlns:r="http://schemas.openxmlformats.org/officeDocument/2006/relationships" xmlns:p="http://schemas.openxmlformats.org/presentationml/2006/main">
   <p:cSld>
     <p:spTree>
       <p:nvGrpSpPr>
@@ -12055,7 +12202,13 @@
           <a:p/>
           <a:p>
             <a:r>
-              <a:t> When a victim loads the page containing the comment, the payload in the comment executes</a:t>
+              <a:t> </a:t>
+            </a:r>
+          </a:p>
+          <a:p/>
+          <a:p>
+            <a:r>
+              <a:t>When a victim loads the page containing the comment, the payload in the comment executes</a:t>
             </a:r>
           </a:p>
           <a:p>
@@ -12078,6 +12231,7 @@
               <a:rPr i="1"/>
               <a:t> OMG!!!, can you believe what this guy wrote!!! (link to payload comment)</a:t>
             </a:r>
+            <a:endParaRPr i="1"/>
           </a:p>
         </p:txBody>
       </p:sp>
@@ -12111,6 +12265,11 @@
               </a:rPr>
               <a:t>Copyright © 2021 by Elephant Scale, All Rights Reserved</a:t>
             </a:r>
+            <a:endParaRPr sz="800">
+              <a:solidFill>
+                <a:srgbClr val="000000"/>
+              </a:solidFill>
+            </a:endParaRPr>
           </a:p>
         </p:txBody>
       </p:sp>
@@ -12123,15 +12282,15 @@
           <p:nvPr/>
         </p:nvPicPr>
         <p:blipFill>
-          <a:blip r:embed="rId2"/>
+          <a:blip r:embed="rId1"/>
           <a:stretch>
             <a:fillRect/>
           </a:stretch>
         </p:blipFill>
         <p:spPr>
           <a:xfrm>
-            <a:off x="0" y="2670048"/>
-            <a:ext cx="10172700" cy="787400"/>
+            <a:off x="46990" y="2472690"/>
+            <a:ext cx="9325610" cy="722630"/>
           </a:xfrm>
           <a:prstGeom prst="rect">
             <a:avLst/>
@@ -12147,7 +12306,7 @@
 </file>
 
 <file path=ppt/slides/slide8.xml><?xml version="1.0" encoding="utf-8"?>
-<p:sld xmlns:a="http://schemas.openxmlformats.org/drawingml/2006/main" xmlns:p="http://schemas.openxmlformats.org/presentationml/2006/main" xmlns:r="http://schemas.openxmlformats.org/officeDocument/2006/relationships">
+<p:sld xmlns:a="http://schemas.openxmlformats.org/drawingml/2006/main" xmlns:r="http://schemas.openxmlformats.org/officeDocument/2006/relationships" xmlns:p="http://schemas.openxmlformats.org/presentationml/2006/main">
   <p:cSld>
     <p:spTree>
       <p:nvGrpSpPr>
@@ -12250,6 +12409,11 @@
               </a:rPr>
               <a:t>Copyright © 2021 by Elephant Scale, All Rights Reserved</a:t>
             </a:r>
+            <a:endParaRPr sz="800">
+              <a:solidFill>
+                <a:srgbClr val="000000"/>
+              </a:solidFill>
+            </a:endParaRPr>
           </a:p>
         </p:txBody>
       </p:sp>
@@ -12262,7 +12426,7 @@
           <p:nvPr/>
         </p:nvPicPr>
         <p:blipFill>
-          <a:blip r:embed="rId2"/>
+          <a:blip r:embed="rId1"/>
           <a:stretch>
             <a:fillRect/>
           </a:stretch>
@@ -12286,7 +12450,7 @@
 </file>
 
 <file path=ppt/slides/slide9.xml><?xml version="1.0" encoding="utf-8"?>
-<p:sld xmlns:a="http://schemas.openxmlformats.org/drawingml/2006/main" xmlns:p="http://schemas.openxmlformats.org/presentationml/2006/main" xmlns:r="http://schemas.openxmlformats.org/officeDocument/2006/relationships">
+<p:sld xmlns:a="http://schemas.openxmlformats.org/drawingml/2006/main" xmlns:r="http://schemas.openxmlformats.org/officeDocument/2006/relationships" xmlns:p="http://schemas.openxmlformats.org/presentationml/2006/main">
   <p:cSld>
     <p:spTree>
       <p:nvGrpSpPr>
@@ -12392,6 +12556,11 @@
               </a:rPr>
               <a:t>Copyright © 2021 by Elephant Scale, All Rights Reserved</a:t>
             </a:r>
+            <a:endParaRPr sz="800">
+              <a:solidFill>
+                <a:srgbClr val="000000"/>
+              </a:solidFill>
+            </a:endParaRPr>
           </a:p>
         </p:txBody>
       </p:sp>
@@ -12646,13 +12815,8 @@
           <a:headEnd type="none" w="med" len="med"/>
           <a:tailEnd type="none" w="med" len="med"/>
         </a:ln>
-        <a:effectLst/>
       </a:spPr>
-      <a:bodyPr vert="horz" wrap="square" lIns="91440" tIns="45720" rIns="91440" bIns="45720" numCol="1" anchor="t" anchorCtr="0" compatLnSpc="1">
-        <a:prstTxWarp prst="textNoShape">
-          <a:avLst/>
-        </a:prstTxWarp>
-      </a:bodyPr>
+      <a:bodyPr vert="horz" wrap="square" lIns="91440" tIns="45720" rIns="91440" bIns="45720" numCol="1" anchor="t" anchorCtr="0" compatLnSpc="1"/>
       <a:lstStyle>
         <a:defPPr marL="0" marR="0" indent="0" algn="ctr" defTabSz="914400" rtl="0" eaLnBrk="1" fontAlgn="base" latinLnBrk="0" hangingPunct="1">
           <a:lnSpc>
@@ -12668,7 +12832,6 @@
           <a:buSzTx/>
           <a:buFontTx/>
           <a:buNone/>
-          <a:tabLst/>
           <a:defRPr kumimoji="0" lang="en-US" sz="1000" b="0" i="0" u="none" strike="noStrike" cap="none" normalizeH="0" baseline="0">
             <a:ln>
               <a:noFill/>
@@ -12677,7 +12840,7 @@
               <a:schemeClr val="tx1"/>
             </a:solidFill>
             <a:effectLst/>
-            <a:latin typeface="Garamond" pitchFamily="-110" charset="0"/>
+            <a:latin typeface="Garamond" pitchFamily="18" charset="0"/>
           </a:defRPr>
         </a:defPPr>
       </a:lstStyle>
@@ -12708,13 +12871,8 @@
           <a:headEnd type="none" w="med" len="med"/>
           <a:tailEnd type="none" w="med" len="med"/>
         </a:ln>
-        <a:effectLst/>
       </a:spPr>
-      <a:bodyPr vert="horz" wrap="square" lIns="91440" tIns="45720" rIns="91440" bIns="45720" numCol="1" anchor="t" anchorCtr="0" compatLnSpc="1">
-        <a:prstTxWarp prst="textNoShape">
-          <a:avLst/>
-        </a:prstTxWarp>
-      </a:bodyPr>
+      <a:bodyPr vert="horz" wrap="square" lIns="91440" tIns="45720" rIns="91440" bIns="45720" numCol="1" anchor="t" anchorCtr="0" compatLnSpc="1"/>
       <a:lstStyle>
         <a:defPPr marL="0" marR="0" indent="0" algn="ctr" defTabSz="914400" rtl="0" eaLnBrk="1" fontAlgn="base" latinLnBrk="0" hangingPunct="1">
           <a:lnSpc>
@@ -12730,7 +12888,6 @@
           <a:buSzTx/>
           <a:buFontTx/>
           <a:buNone/>
-          <a:tabLst/>
           <a:defRPr kumimoji="0" lang="en-US" sz="1000" b="0" i="0" u="none" strike="noStrike" cap="none" normalizeH="0" baseline="0">
             <a:ln>
               <a:noFill/>
@@ -12739,7 +12896,7 @@
               <a:schemeClr val="tx1"/>
             </a:solidFill>
             <a:effectLst/>
-            <a:latin typeface="Garamond" pitchFamily="-110" charset="0"/>
+            <a:latin typeface="Garamond" pitchFamily="18" charset="0"/>
           </a:defRPr>
         </a:defPPr>
       </a:lstStyle>
@@ -13034,6 +13191,11 @@
       <a:clrMap bg1="dk2" tx1="lt1" bg2="dk1" tx2="lt2" accent1="accent1" accent2="accent2" accent3="accent3" accent4="accent4" accent5="accent5" accent6="accent6" hlink="hlink" folHlink="folHlink"/>
     </a:extraClrScheme>
   </a:extraClrSchemeLst>
+  <a:extLst>
+    <a:ext uri="{05A4C25C-085E-4340-85A3-A5531E510DB2}">
+      <thm15:themeFamily xmlns:thm15="http://schemas.microsoft.com/office/thememl/2012/main" name="Office Theme" id="{62F939B6-93AF-4DB8-9C6B-D6C7DFDC589F}" vid="{4A3C46E8-61CC-4603-A589-7422A47A8E4A}"/>
+    </a:ext>
+  </a:extLst>
 </a:theme>
 </file>
 
@@ -13351,7 +13513,11 @@
       </a:style>
     </a:lnDef>
   </a:objectDefaults>
-  <a:extraClrSchemeLst/>
+  <a:extLst>
+    <a:ext uri="{05A4C25C-085E-4340-85A3-A5531E510DB2}">
+      <thm15:themeFamily xmlns:thm15="http://schemas.microsoft.com/office/thememl/2012/main" name="Office Theme" id="{62F939B6-93AF-4DB8-9C6B-D6C7DFDC589F}" vid="{4A3C46E8-61CC-4603-A589-7422A47A8E4A}"/>
+    </a:ext>
+  </a:extLst>
 </a:theme>
 </file>
 
@@ -13669,6 +13835,10 @@
       </a:style>
     </a:lnDef>
   </a:objectDefaults>
-  <a:extraClrSchemeLst/>
+  <a:extLst>
+    <a:ext uri="{05A4C25C-085E-4340-85A3-A5531E510DB2}">
+      <thm15:themeFamily xmlns:thm15="http://schemas.microsoft.com/office/thememl/2012/main" name="Office Theme" id="{62F939B6-93AF-4DB8-9C6B-D6C7DFDC589F}" vid="{4A3C46E8-61CC-4603-A589-7422A47A8E4A}"/>
+    </a:ext>
+  </a:extLst>
 </a:theme>
 </file>